--- a/introAngular.pptx
+++ b/introAngular.pptx
@@ -14,21 +14,24 @@
     <p:sldId id="278" r:id="rId8"/>
     <p:sldId id="279" r:id="rId9"/>
     <p:sldId id="280" r:id="rId10"/>
-    <p:sldId id="282" r:id="rId11"/>
-    <p:sldId id="281" r:id="rId12"/>
-    <p:sldId id="283" r:id="rId13"/>
-    <p:sldId id="284" r:id="rId14"/>
-    <p:sldId id="285" r:id="rId15"/>
+    <p:sldId id="281" r:id="rId11"/>
+    <p:sldId id="283" r:id="rId12"/>
+    <p:sldId id="284" r:id="rId13"/>
+    <p:sldId id="285" r:id="rId14"/>
+    <p:sldId id="282" r:id="rId15"/>
     <p:sldId id="287" r:id="rId16"/>
     <p:sldId id="294" r:id="rId17"/>
     <p:sldId id="288" r:id="rId18"/>
     <p:sldId id="289" r:id="rId19"/>
     <p:sldId id="291" r:id="rId20"/>
-    <p:sldId id="290" r:id="rId21"/>
-    <p:sldId id="292" r:id="rId22"/>
-    <p:sldId id="293" r:id="rId23"/>
-    <p:sldId id="296" r:id="rId24"/>
-    <p:sldId id="297" r:id="rId25"/>
+    <p:sldId id="298" r:id="rId21"/>
+    <p:sldId id="299" r:id="rId22"/>
+    <p:sldId id="290" r:id="rId23"/>
+    <p:sldId id="292" r:id="rId24"/>
+    <p:sldId id="293" r:id="rId25"/>
+    <p:sldId id="300" r:id="rId26"/>
+    <p:sldId id="296" r:id="rId27"/>
+    <p:sldId id="297" r:id="rId28"/>
   </p:sldIdLst>
   <p:sldSz cx="9144000" cy="6858000" type="screen4x3"/>
   <p:notesSz cx="6858000" cy="9144000"/>
@@ -311,7 +314,7 @@
           <a:p>
             <a:fld id="{9AF9A091-1A78-45A2-869A-F88BAC51F489}" type="datetimeFigureOut">
               <a:rPr lang="nl-NL" smtClean="0"/>
-              <a:t>21/11/16</a:t>
+              <a:t>23/11/16</a:t>
             </a:fld>
             <a:endParaRPr lang="nl-NL"/>
           </a:p>
@@ -481,7 +484,7 @@
           <a:p>
             <a:fld id="{9AF9A091-1A78-45A2-869A-F88BAC51F489}" type="datetimeFigureOut">
               <a:rPr lang="nl-NL" smtClean="0"/>
-              <a:t>21/11/16</a:t>
+              <a:t>23/11/16</a:t>
             </a:fld>
             <a:endParaRPr lang="nl-NL"/>
           </a:p>
@@ -661,7 +664,7 @@
           <a:p>
             <a:fld id="{9AF9A091-1A78-45A2-869A-F88BAC51F489}" type="datetimeFigureOut">
               <a:rPr lang="nl-NL" smtClean="0"/>
-              <a:t>21/11/16</a:t>
+              <a:t>23/11/16</a:t>
             </a:fld>
             <a:endParaRPr lang="nl-NL"/>
           </a:p>
@@ -1205,7 +1208,7 @@
           <a:p>
             <a:fld id="{9AF9A091-1A78-45A2-869A-F88BAC51F489}" type="datetimeFigureOut">
               <a:rPr lang="nl-NL" smtClean="0"/>
-              <a:t>21/11/16</a:t>
+              <a:t>23/11/16</a:t>
             </a:fld>
             <a:endParaRPr lang="nl-NL"/>
           </a:p>
@@ -1451,7 +1454,7 @@
           <a:p>
             <a:fld id="{9AF9A091-1A78-45A2-869A-F88BAC51F489}" type="datetimeFigureOut">
               <a:rPr lang="nl-NL" smtClean="0"/>
-              <a:t>21/11/16</a:t>
+              <a:t>23/11/16</a:t>
             </a:fld>
             <a:endParaRPr lang="nl-NL"/>
           </a:p>
@@ -1739,7 +1742,7 @@
           <a:p>
             <a:fld id="{9AF9A091-1A78-45A2-869A-F88BAC51F489}" type="datetimeFigureOut">
               <a:rPr lang="nl-NL" smtClean="0"/>
-              <a:t>21/11/16</a:t>
+              <a:t>23/11/16</a:t>
             </a:fld>
             <a:endParaRPr lang="nl-NL"/>
           </a:p>
@@ -2161,7 +2164,7 @@
           <a:p>
             <a:fld id="{9AF9A091-1A78-45A2-869A-F88BAC51F489}" type="datetimeFigureOut">
               <a:rPr lang="nl-NL" smtClean="0"/>
-              <a:t>21/11/16</a:t>
+              <a:t>23/11/16</a:t>
             </a:fld>
             <a:endParaRPr lang="nl-NL"/>
           </a:p>
@@ -2279,7 +2282,7 @@
           <a:p>
             <a:fld id="{9AF9A091-1A78-45A2-869A-F88BAC51F489}" type="datetimeFigureOut">
               <a:rPr lang="nl-NL" smtClean="0"/>
-              <a:t>21/11/16</a:t>
+              <a:t>23/11/16</a:t>
             </a:fld>
             <a:endParaRPr lang="nl-NL"/>
           </a:p>
@@ -2374,7 +2377,7 @@
           <a:p>
             <a:fld id="{9AF9A091-1A78-45A2-869A-F88BAC51F489}" type="datetimeFigureOut">
               <a:rPr lang="nl-NL" smtClean="0"/>
-              <a:t>21/11/16</a:t>
+              <a:t>23/11/16</a:t>
             </a:fld>
             <a:endParaRPr lang="nl-NL"/>
           </a:p>
@@ -2651,7 +2654,7 @@
           <a:p>
             <a:fld id="{9AF9A091-1A78-45A2-869A-F88BAC51F489}" type="datetimeFigureOut">
               <a:rPr lang="nl-NL" smtClean="0"/>
-              <a:t>21/11/16</a:t>
+              <a:t>23/11/16</a:t>
             </a:fld>
             <a:endParaRPr lang="nl-NL"/>
           </a:p>
@@ -2904,7 +2907,7 @@
           <a:p>
             <a:fld id="{9AF9A091-1A78-45A2-869A-F88BAC51F489}" type="datetimeFigureOut">
               <a:rPr lang="nl-NL" smtClean="0"/>
-              <a:t>21/11/16</a:t>
+              <a:t>23/11/16</a:t>
             </a:fld>
             <a:endParaRPr lang="nl-NL"/>
           </a:p>
@@ -3117,7 +3120,7 @@
           <a:p>
             <a:fld id="{9AF9A091-1A78-45A2-869A-F88BAC51F489}" type="datetimeFigureOut">
               <a:rPr lang="nl-NL" smtClean="0"/>
-              <a:t>21/11/16</a:t>
+              <a:t>23/11/16</a:t>
             </a:fld>
             <a:endParaRPr lang="nl-NL"/>
           </a:p>
@@ -3567,96 +3570,6 @@
       </p:grpSpPr>
       <p:sp>
         <p:nvSpPr>
-          <p:cNvPr id="2" name="Title 1"/>
-          <p:cNvSpPr>
-            <a:spLocks noGrp="1"/>
-          </p:cNvSpPr>
-          <p:nvPr>
-            <p:ph type="title"/>
-          </p:nvPr>
-        </p:nvSpPr>
-        <p:spPr/>
-        <p:txBody>
-          <a:bodyPr/>
-          <a:lstStyle/>
-          <a:p>
-            <a:r>
-              <a:rPr lang="en-US" smtClean="0"/>
-              <a:t>Angular configuratie</a:t>
-            </a:r>
-            <a:endParaRPr lang="en-US" dirty="0"/>
-          </a:p>
-        </p:txBody>
-      </p:sp>
-      <p:pic>
-        <p:nvPicPr>
-          <p:cNvPr id="4" name="Content Placeholder 3" descr="Screen Shot 2016-11-21 at 14.42.47 .png"/>
-          <p:cNvPicPr>
-            <a:picLocks noGrp="1" noChangeAspect="1"/>
-          </p:cNvPicPr>
-          <p:nvPr>
-            <p:ph idx="1"/>
-          </p:nvPr>
-        </p:nvPicPr>
-        <p:blipFill>
-          <a:blip r:embed="rId2" cstate="print">
-            <a:extLst>
-              <a:ext uri="{28A0092B-C50C-407E-A947-70E740481C1C}">
-                <a14:useLocalDpi xmlns:a14="http://schemas.microsoft.com/office/drawing/2010/main" val="0"/>
-              </a:ext>
-            </a:extLst>
-          </a:blip>
-          <a:srcRect l="-8090" r="-8090"/>
-          <a:stretch>
-            <a:fillRect/>
-          </a:stretch>
-        </p:blipFill>
-        <p:spPr>
-          <a:xfrm>
-            <a:off x="369858" y="1844824"/>
-            <a:ext cx="8450614" cy="4464496"/>
-          </a:xfrm>
-        </p:spPr>
-      </p:pic>
-    </p:spTree>
-    <p:extLst>
-      <p:ext uri="{BB962C8B-B14F-4D97-AF65-F5344CB8AC3E}">
-        <p14:creationId xmlns:p14="http://schemas.microsoft.com/office/powerpoint/2010/main" val="3446104768"/>
-      </p:ext>
-    </p:extLst>
-  </p:cSld>
-  <p:clrMapOvr>
-    <a:masterClrMapping/>
-  </p:clrMapOvr>
-  <p:timing>
-    <p:tnLst>
-      <p:par>
-        <p:cTn xmlns:p14="http://schemas.microsoft.com/office/powerpoint/2010/main" id="1" dur="indefinite" restart="never" nodeType="tmRoot"/>
-      </p:par>
-    </p:tnLst>
-  </p:timing>
-</p:sld>
-</file>
-
-<file path=ppt/slides/slide11.xml><?xml version="1.0" encoding="utf-8"?>
-<p:sld xmlns:a="http://schemas.openxmlformats.org/drawingml/2006/main" xmlns:r="http://schemas.openxmlformats.org/officeDocument/2006/relationships" xmlns:p="http://schemas.openxmlformats.org/presentationml/2006/main">
-  <p:cSld>
-    <p:spTree>
-      <p:nvGrpSpPr>
-        <p:cNvPr id="1" name=""/>
-        <p:cNvGrpSpPr/>
-        <p:nvPr/>
-      </p:nvGrpSpPr>
-      <p:grpSpPr>
-        <a:xfrm>
-          <a:off x="0" y="0"/>
-          <a:ext cx="0" cy="0"/>
-          <a:chOff x="0" y="0"/>
-          <a:chExt cx="0" cy="0"/>
-        </a:xfrm>
-      </p:grpSpPr>
-      <p:sp>
-        <p:nvSpPr>
           <p:cNvPr id="5" name="Rectangle 4"/>
           <p:cNvSpPr/>
           <p:nvPr/>
@@ -3743,14 +3656,7 @@
                 <a:latin typeface="Courier New"/>
                 <a:cs typeface="Courier New"/>
               </a:rPr>
-              <a:t>(‘</a:t>
-            </a:r>
-            <a:r>
-              <a:rPr lang="en-US" sz="1600" b="1">
-                <a:latin typeface="Courier New"/>
-                <a:cs typeface="Courier New"/>
-              </a:rPr>
-              <a:t>myApp</a:t>
+              <a:t>(‘myApp</a:t>
             </a:r>
             <a:r>
               <a:rPr lang="en-US" sz="1600" b="1" smtClean="0">
@@ -4069,7 +3975,7 @@
 </p:sld>
 </file>
 
-<file path=ppt/slides/slide12.xml><?xml version="1.0" encoding="utf-8"?>
+<file path=ppt/slides/slide11.xml><?xml version="1.0" encoding="utf-8"?>
 <p:sld xmlns:a="http://schemas.openxmlformats.org/drawingml/2006/main" xmlns:r="http://schemas.openxmlformats.org/officeDocument/2006/relationships" xmlns:p="http://schemas.openxmlformats.org/presentationml/2006/main">
   <p:cSld>
     <p:spTree>
@@ -4149,11 +4055,18 @@
           </a:p>
           <a:p>
             <a:r>
+              <a:rPr lang="en-US" b="1">
+                <a:latin typeface="Courier New"/>
+                <a:cs typeface="Courier New"/>
+              </a:rPr>
+              <a:t>f</a:t>
+            </a:r>
+            <a:r>
               <a:rPr lang="en-US" b="1" smtClean="0">
                 <a:latin typeface="Courier New"/>
                 <a:cs typeface="Courier New"/>
               </a:rPr>
-              <a:t>function(callback) {</a:t>
+              <a:t>unction(object) {</a:t>
             </a:r>
           </a:p>
           <a:p>
@@ -4165,11 +4078,18 @@
               <a:t>	</a:t>
             </a:r>
             <a:r>
+              <a:rPr lang="en-US" b="1">
+                <a:latin typeface="Courier New"/>
+                <a:cs typeface="Courier New"/>
+              </a:rPr>
+              <a:t>object</a:t>
+            </a:r>
+            <a:r>
               <a:rPr lang="en-US" b="1" smtClean="0">
                 <a:latin typeface="Courier New"/>
                 <a:cs typeface="Courier New"/>
               </a:rPr>
-              <a:t>callback.method(param1, param2)</a:t>
+              <a:t>.method(param1, param2)</a:t>
             </a:r>
           </a:p>
           <a:p>
@@ -4209,7 +4129,7 @@
 </p:sld>
 </file>
 
-<file path=ppt/slides/slide13.xml><?xml version="1.0" encoding="utf-8"?>
+<file path=ppt/slides/slide12.xml><?xml version="1.0" encoding="utf-8"?>
 <p:sld xmlns:a="http://schemas.openxmlformats.org/drawingml/2006/main" xmlns:r="http://schemas.openxmlformats.org/officeDocument/2006/relationships" xmlns:p="http://schemas.openxmlformats.org/presentationml/2006/main">
   <p:cSld>
     <p:spTree>
@@ -4503,7 +4423,7 @@
           <a:p>
             <a:r>
               <a:rPr lang="en-US" smtClean="0"/>
-              <a:t>callback</a:t>
+              <a:t>object</a:t>
             </a:r>
             <a:endParaRPr lang="en-US"/>
           </a:p>
@@ -4622,6 +4542,245 @@
 </p:sld>
 </file>
 
+<file path=ppt/slides/slide13.xml><?xml version="1.0" encoding="utf-8"?>
+<p:sld xmlns:a="http://schemas.openxmlformats.org/drawingml/2006/main" xmlns:r="http://schemas.openxmlformats.org/officeDocument/2006/relationships" xmlns:p="http://schemas.openxmlformats.org/presentationml/2006/main">
+  <p:cSld>
+    <p:spTree>
+      <p:nvGrpSpPr>
+        <p:cNvPr id="1" name=""/>
+        <p:cNvGrpSpPr/>
+        <p:nvPr/>
+      </p:nvGrpSpPr>
+      <p:grpSpPr>
+        <a:xfrm>
+          <a:off x="0" y="0"/>
+          <a:ext cx="0" cy="0"/>
+          <a:chOff x="0" y="0"/>
+          <a:chExt cx="0" cy="0"/>
+        </a:xfrm>
+      </p:grpSpPr>
+      <p:sp>
+        <p:nvSpPr>
+          <p:cNvPr id="2" name="Title 1"/>
+          <p:cNvSpPr>
+            <a:spLocks noGrp="1"/>
+          </p:cNvSpPr>
+          <p:nvPr>
+            <p:ph type="title"/>
+          </p:nvPr>
+        </p:nvSpPr>
+        <p:spPr/>
+        <p:txBody>
+          <a:bodyPr/>
+          <a:lstStyle/>
+          <a:p>
+            <a:r>
+              <a:rPr lang="en-US" smtClean="0"/>
+              <a:t>Angular config functie uitgelegd</a:t>
+            </a:r>
+            <a:endParaRPr lang="en-US" dirty="0"/>
+          </a:p>
+        </p:txBody>
+      </p:sp>
+      <p:sp>
+        <p:nvSpPr>
+          <p:cNvPr id="3" name="Content Placeholder 2"/>
+          <p:cNvSpPr>
+            <a:spLocks noGrp="1"/>
+          </p:cNvSpPr>
+          <p:nvPr>
+            <p:ph idx="1"/>
+          </p:nvPr>
+        </p:nvSpPr>
+        <p:spPr>
+          <a:xfrm>
+            <a:off x="369858" y="1844824"/>
+            <a:ext cx="7858180" cy="4227382"/>
+          </a:xfrm>
+        </p:spPr>
+        <p:txBody>
+          <a:bodyPr/>
+          <a:lstStyle/>
+          <a:p>
+            <a:r>
+              <a:rPr lang="en-US" sz="1600" b="1" smtClean="0">
+                <a:solidFill>
+                  <a:schemeClr val="bg1">
+                    <a:lumMod val="65000"/>
+                  </a:schemeClr>
+                </a:solidFill>
+                <a:latin typeface="Courier New"/>
+                <a:cs typeface="Courier New"/>
+              </a:rPr>
+              <a:t>angular.module</a:t>
+            </a:r>
+            <a:r>
+              <a:rPr lang="en-US" sz="1600" b="1">
+                <a:solidFill>
+                  <a:schemeClr val="bg1">
+                    <a:lumMod val="65000"/>
+                  </a:schemeClr>
+                </a:solidFill>
+                <a:latin typeface="Courier New"/>
+                <a:cs typeface="Courier New"/>
+              </a:rPr>
+              <a:t>(‘myApp</a:t>
+            </a:r>
+            <a:r>
+              <a:rPr lang="en-US" sz="1600" b="1" smtClean="0">
+                <a:solidFill>
+                  <a:schemeClr val="bg1">
+                    <a:lumMod val="65000"/>
+                  </a:schemeClr>
+                </a:solidFill>
+                <a:latin typeface="Courier New"/>
+                <a:cs typeface="Courier New"/>
+              </a:rPr>
+              <a:t>’).config(</a:t>
+            </a:r>
+          </a:p>
+          <a:p>
+            <a:endParaRPr lang="en-US" sz="1600" b="1" smtClean="0">
+              <a:solidFill>
+                <a:srgbClr val="7F7F7F"/>
+              </a:solidFill>
+              <a:latin typeface="Courier New"/>
+              <a:cs typeface="Courier New"/>
+            </a:endParaRPr>
+          </a:p>
+          <a:p>
+            <a:r>
+              <a:rPr lang="en-US" sz="1600" b="1" smtClean="0">
+                <a:latin typeface="Courier New"/>
+                <a:cs typeface="Courier New"/>
+              </a:rPr>
+              <a:t>  function($routeProvider) {</a:t>
+            </a:r>
+          </a:p>
+          <a:p>
+            <a:r>
+              <a:rPr lang="en-US" sz="1600" b="1" smtClean="0">
+                <a:latin typeface="Courier New"/>
+                <a:cs typeface="Courier New"/>
+              </a:rPr>
+              <a:t>    $routeProvider</a:t>
+            </a:r>
+          </a:p>
+          <a:p>
+            <a:r>
+              <a:rPr lang="en-US" sz="1600" b="1" smtClean="0">
+                <a:latin typeface="Courier New"/>
+                <a:cs typeface="Courier New"/>
+              </a:rPr>
+              <a:t>      .when(‘/’,{</a:t>
+            </a:r>
+          </a:p>
+          <a:p>
+            <a:r>
+              <a:rPr lang="en-US" sz="1600" b="1" smtClean="0">
+                <a:latin typeface="Courier New"/>
+                <a:cs typeface="Courier New"/>
+              </a:rPr>
+              <a:t>        templateURL: ‘template.html’,</a:t>
+            </a:r>
+          </a:p>
+          <a:p>
+            <a:r>
+              <a:rPr lang="en-US" sz="1600" b="1" smtClean="0">
+                <a:latin typeface="Courier New"/>
+                <a:cs typeface="Courier New"/>
+              </a:rPr>
+              <a:t>        controller: ‘myController’,</a:t>
+            </a:r>
+          </a:p>
+          <a:p>
+            <a:r>
+              <a:rPr lang="en-US" sz="1600" b="1" smtClean="0">
+                <a:latin typeface="Courier New"/>
+                <a:cs typeface="Courier New"/>
+              </a:rPr>
+              <a:t>        controllerAs: ‘vm’</a:t>
+            </a:r>
+          </a:p>
+          <a:p>
+            <a:r>
+              <a:rPr lang="en-US" sz="1600" b="1" smtClean="0">
+                <a:latin typeface="Courier New"/>
+                <a:cs typeface="Courier New"/>
+              </a:rPr>
+              <a:t>      })</a:t>
+            </a:r>
+            <a:endParaRPr lang="en-US" sz="1600" b="1">
+              <a:latin typeface="Courier New"/>
+              <a:cs typeface="Courier New"/>
+            </a:endParaRPr>
+          </a:p>
+          <a:p>
+            <a:r>
+              <a:rPr lang="en-US" sz="1600" b="1" smtClean="0">
+                <a:latin typeface="Courier New"/>
+                <a:cs typeface="Courier New"/>
+              </a:rPr>
+              <a:t>    }</a:t>
+            </a:r>
+          </a:p>
+          <a:p>
+            <a:endParaRPr lang="en-US" sz="1600" b="1">
+              <a:latin typeface="Courier New"/>
+              <a:cs typeface="Courier New"/>
+            </a:endParaRPr>
+          </a:p>
+          <a:p>
+            <a:r>
+              <a:rPr lang="en-US" sz="1600" b="1" smtClean="0">
+                <a:latin typeface="Courier New"/>
+                <a:cs typeface="Courier New"/>
+              </a:rPr>
+              <a:t>  </a:t>
+            </a:r>
+            <a:r>
+              <a:rPr lang="en-US" sz="1600" b="1" smtClean="0">
+                <a:solidFill>
+                  <a:srgbClr val="A6A6A6"/>
+                </a:solidFill>
+                <a:latin typeface="Courier New"/>
+                <a:cs typeface="Courier New"/>
+              </a:rPr>
+              <a:t>);</a:t>
+            </a:r>
+            <a:endParaRPr lang="en-US" sz="1600" b="1">
+              <a:solidFill>
+                <a:srgbClr val="A6A6A6"/>
+              </a:solidFill>
+              <a:latin typeface="Courier New"/>
+              <a:cs typeface="Courier New"/>
+            </a:endParaRPr>
+          </a:p>
+          <a:p>
+            <a:endParaRPr lang="en-US" smtClean="0"/>
+          </a:p>
+        </p:txBody>
+      </p:sp>
+    </p:spTree>
+    <p:extLst>
+      <p:ext uri="{BB962C8B-B14F-4D97-AF65-F5344CB8AC3E}">
+        <p14:creationId xmlns:p14="http://schemas.microsoft.com/office/powerpoint/2010/main" val="3703657654"/>
+      </p:ext>
+    </p:extLst>
+  </p:cSld>
+  <p:clrMapOvr>
+    <a:masterClrMapping/>
+  </p:clrMapOvr>
+  <p:timing>
+    <p:tnLst>
+      <p:par>
+        <p:cTn xmlns:p14="http://schemas.microsoft.com/office/powerpoint/2010/main" id="1" dur="indefinite" restart="never" nodeType="tmRoot"/>
+      </p:par>
+    </p:tnLst>
+  </p:timing>
+</p:sld>
+</file>
+
 <file path=ppt/slides/slide14.xml><?xml version="1.0" encoding="utf-8"?>
 <p:sld xmlns:a="http://schemas.openxmlformats.org/drawingml/2006/main" xmlns:r="http://schemas.openxmlformats.org/officeDocument/2006/relationships" xmlns:p="http://schemas.openxmlformats.org/presentationml/2006/main">
   <p:cSld>
@@ -4656,207 +4815,46 @@
           <a:p>
             <a:r>
               <a:rPr lang="en-US" smtClean="0"/>
-              <a:t>Angular config functie uitgelegd</a:t>
+              <a:t>Angular configuratie</a:t>
             </a:r>
             <a:endParaRPr lang="en-US" dirty="0"/>
           </a:p>
         </p:txBody>
       </p:sp>
-      <p:sp>
-        <p:nvSpPr>
-          <p:cNvPr id="3" name="Content Placeholder 2"/>
-          <p:cNvSpPr>
-            <a:spLocks noGrp="1"/>
-          </p:cNvSpPr>
+      <p:pic>
+        <p:nvPicPr>
+          <p:cNvPr id="4" name="Content Placeholder 3" descr="Screen Shot 2016-11-21 at 14.42.47 .png"/>
+          <p:cNvPicPr>
+            <a:picLocks noGrp="1" noChangeAspect="1"/>
+          </p:cNvPicPr>
           <p:nvPr>
             <p:ph idx="1"/>
           </p:nvPr>
-        </p:nvSpPr>
+        </p:nvPicPr>
+        <p:blipFill>
+          <a:blip r:embed="rId2" cstate="print">
+            <a:extLst>
+              <a:ext uri="{28A0092B-C50C-407E-A947-70E740481C1C}">
+                <a14:useLocalDpi xmlns:a14="http://schemas.microsoft.com/office/drawing/2010/main" val="0"/>
+              </a:ext>
+            </a:extLst>
+          </a:blip>
+          <a:srcRect l="-8090" r="-8090"/>
+          <a:stretch>
+            <a:fillRect/>
+          </a:stretch>
+        </p:blipFill>
         <p:spPr>
           <a:xfrm>
             <a:off x="369858" y="1844824"/>
-            <a:ext cx="7858180" cy="4227382"/>
+            <a:ext cx="8450614" cy="4464496"/>
           </a:xfrm>
         </p:spPr>
-        <p:txBody>
-          <a:bodyPr/>
-          <a:lstStyle/>
-          <a:p>
-            <a:r>
-              <a:rPr lang="en-US" sz="1600" b="1" smtClean="0">
-                <a:solidFill>
-                  <a:schemeClr val="bg1">
-                    <a:lumMod val="65000"/>
-                  </a:schemeClr>
-                </a:solidFill>
-                <a:latin typeface="Courier New"/>
-                <a:cs typeface="Courier New"/>
-              </a:rPr>
-              <a:t>angular.module</a:t>
-            </a:r>
-            <a:r>
-              <a:rPr lang="en-US" sz="1600" b="1">
-                <a:solidFill>
-                  <a:schemeClr val="bg1">
-                    <a:lumMod val="65000"/>
-                  </a:schemeClr>
-                </a:solidFill>
-                <a:latin typeface="Courier New"/>
-                <a:cs typeface="Courier New"/>
-              </a:rPr>
-              <a:t>(‘</a:t>
-            </a:r>
-            <a:r>
-              <a:rPr lang="en-US" sz="1600" b="1">
-                <a:solidFill>
-                  <a:schemeClr val="bg1">
-                    <a:lumMod val="65000"/>
-                  </a:schemeClr>
-                </a:solidFill>
-                <a:latin typeface="Courier New"/>
-                <a:cs typeface="Courier New"/>
-              </a:rPr>
-              <a:t>myApp</a:t>
-            </a:r>
-            <a:r>
-              <a:rPr lang="en-US" sz="1600" b="1" smtClean="0">
-                <a:solidFill>
-                  <a:schemeClr val="bg1">
-                    <a:lumMod val="65000"/>
-                  </a:schemeClr>
-                </a:solidFill>
-                <a:latin typeface="Courier New"/>
-                <a:cs typeface="Courier New"/>
-              </a:rPr>
-              <a:t>’).config(</a:t>
-            </a:r>
-          </a:p>
-          <a:p>
-            <a:endParaRPr lang="en-US" sz="1600" b="1" smtClean="0">
-              <a:solidFill>
-                <a:srgbClr val="7F7F7F"/>
-              </a:solidFill>
-              <a:latin typeface="Courier New"/>
-              <a:cs typeface="Courier New"/>
-            </a:endParaRPr>
-          </a:p>
-          <a:p>
-            <a:r>
-              <a:rPr lang="en-US" sz="1600" b="1" smtClean="0">
-                <a:latin typeface="Courier New"/>
-                <a:cs typeface="Courier New"/>
-              </a:rPr>
-              <a:t>  function($routeProvider) {</a:t>
-            </a:r>
-          </a:p>
-          <a:p>
-            <a:r>
-              <a:rPr lang="en-US" sz="1600" b="1" smtClean="0">
-                <a:latin typeface="Courier New"/>
-                <a:cs typeface="Courier New"/>
-              </a:rPr>
-              <a:t>    $routeProvider</a:t>
-            </a:r>
-          </a:p>
-          <a:p>
-            <a:r>
-              <a:rPr lang="en-US" sz="1600" b="1" smtClean="0">
-                <a:latin typeface="Courier New"/>
-                <a:cs typeface="Courier New"/>
-              </a:rPr>
-              <a:t>      .when(‘/’,{</a:t>
-            </a:r>
-          </a:p>
-          <a:p>
-            <a:r>
-              <a:rPr lang="en-US" sz="1600" b="1" smtClean="0">
-                <a:latin typeface="Courier New"/>
-                <a:cs typeface="Courier New"/>
-              </a:rPr>
-              <a:t>        templateURL: ‘template.html’,</a:t>
-            </a:r>
-          </a:p>
-          <a:p>
-            <a:r>
-              <a:rPr lang="en-US" sz="1600" b="1" smtClean="0">
-                <a:latin typeface="Courier New"/>
-                <a:cs typeface="Courier New"/>
-              </a:rPr>
-              <a:t>        controller: ‘myController’,</a:t>
-            </a:r>
-          </a:p>
-          <a:p>
-            <a:r>
-              <a:rPr lang="en-US" sz="1600" b="1" smtClean="0">
-                <a:latin typeface="Courier New"/>
-                <a:cs typeface="Courier New"/>
-              </a:rPr>
-              <a:t>        controllerAs: ‘vm’</a:t>
-            </a:r>
-          </a:p>
-          <a:p>
-            <a:r>
-              <a:rPr lang="en-US" sz="1600" b="1" smtClean="0">
-                <a:latin typeface="Courier New"/>
-                <a:cs typeface="Courier New"/>
-              </a:rPr>
-              <a:t>      })</a:t>
-            </a:r>
-            <a:endParaRPr lang="en-US" sz="1600" b="1">
-              <a:latin typeface="Courier New"/>
-              <a:cs typeface="Courier New"/>
-            </a:endParaRPr>
-          </a:p>
-          <a:p>
-            <a:r>
-              <a:rPr lang="en-US" sz="1600" b="1" smtClean="0">
-                <a:latin typeface="Courier New"/>
-                <a:cs typeface="Courier New"/>
-              </a:rPr>
-              <a:t>    }</a:t>
-            </a:r>
-          </a:p>
-          <a:p>
-            <a:endParaRPr lang="en-US" sz="1600" b="1">
-              <a:latin typeface="Courier New"/>
-              <a:cs typeface="Courier New"/>
-            </a:endParaRPr>
-          </a:p>
-          <a:p>
-            <a:r>
-              <a:rPr lang="en-US" sz="1600" b="1" smtClean="0">
-                <a:latin typeface="Courier New"/>
-                <a:cs typeface="Courier New"/>
-              </a:rPr>
-              <a:t>  </a:t>
-            </a:r>
-            <a:r>
-              <a:rPr lang="en-US" sz="1600" b="1" smtClean="0">
-                <a:solidFill>
-                  <a:srgbClr val="A6A6A6"/>
-                </a:solidFill>
-                <a:latin typeface="Courier New"/>
-                <a:cs typeface="Courier New"/>
-              </a:rPr>
-              <a:t>);</a:t>
-            </a:r>
-            <a:endParaRPr lang="en-US" sz="1600" b="1">
-              <a:solidFill>
-                <a:srgbClr val="A6A6A6"/>
-              </a:solidFill>
-              <a:latin typeface="Courier New"/>
-              <a:cs typeface="Courier New"/>
-            </a:endParaRPr>
-          </a:p>
-          <a:p>
-            <a:endParaRPr lang="en-US" smtClean="0"/>
-          </a:p>
-        </p:txBody>
-      </p:sp>
+      </p:pic>
     </p:spTree>
     <p:extLst>
       <p:ext uri="{BB962C8B-B14F-4D97-AF65-F5344CB8AC3E}">
-        <p14:creationId xmlns:p14="http://schemas.microsoft.com/office/powerpoint/2010/main" val="3703657654"/>
+        <p14:creationId xmlns:p14="http://schemas.microsoft.com/office/powerpoint/2010/main" val="3446104768"/>
       </p:ext>
     </p:extLst>
   </p:cSld>
@@ -4933,7 +4931,46 @@
           <a:p>
             <a:r>
               <a:rPr lang="en-US" smtClean="0"/>
-              <a:t>Een controller bevat de businesslogica die gebruikt wordt in een view.</a:t>
+              <a:t>Een controller bevat de businesslogica die gebruikt wordt in een view. </a:t>
+            </a:r>
+          </a:p>
+          <a:p>
+            <a:endParaRPr lang="en-US"/>
+          </a:p>
+          <a:p>
+            <a:r>
+              <a:rPr lang="en-US"/>
+              <a:t>In onze routing geven we aan welke controller bij welke view hoort.</a:t>
+            </a:r>
+          </a:p>
+          <a:p>
+            <a:endParaRPr lang="en-US" smtClean="0"/>
+          </a:p>
+          <a:p>
+            <a:r>
+              <a:rPr lang="en-US" smtClean="0">
+                <a:solidFill>
+                  <a:srgbClr val="A6A6A6"/>
+                </a:solidFill>
+              </a:rPr>
+              <a:t>(Er zijn ook andere manieren om een controller aan een view te koppelen)</a:t>
+            </a:r>
+          </a:p>
+          <a:p>
+            <a:endParaRPr lang="en-US">
+              <a:solidFill>
+                <a:srgbClr val="A6A6A6"/>
+              </a:solidFill>
+            </a:endParaRPr>
+          </a:p>
+          <a:p>
+            <a:r>
+              <a:rPr lang="en-US" smtClean="0">
+                <a:solidFill>
+                  <a:srgbClr val="A6A6A6"/>
+                </a:solidFill>
+              </a:rPr>
+              <a:t>(maar om het niet nog ingewikkelder te maken, sla ik die even over)</a:t>
             </a:r>
           </a:p>
           <a:p>
@@ -4957,7 +4994,128 @@
   <p:timing>
     <p:tnLst>
       <p:par>
-        <p:cTn xmlns:p14="http://schemas.microsoft.com/office/powerpoint/2010/main" id="1" dur="indefinite" restart="never" nodeType="tmRoot"/>
+        <p:cTn xmlns:p14="http://schemas.microsoft.com/office/powerpoint/2010/main" id="1" dur="indefinite" restart="never" nodeType="tmRoot">
+          <p:childTnLst>
+            <p:seq concurrent="1" nextAc="seek">
+              <p:cTn id="2" dur="indefinite" nodeType="mainSeq">
+                <p:childTnLst>
+                  <p:par>
+                    <p:cTn id="3" fill="hold">
+                      <p:stCondLst>
+                        <p:cond delay="indefinite"/>
+                      </p:stCondLst>
+                      <p:childTnLst>
+                        <p:par>
+                          <p:cTn id="4" fill="hold">
+                            <p:stCondLst>
+                              <p:cond delay="0"/>
+                            </p:stCondLst>
+                            <p:childTnLst>
+                              <p:par>
+                                <p:cTn id="5" presetID="1" presetClass="entr" presetSubtype="0" fill="hold" nodeType="clickEffect">
+                                  <p:stCondLst>
+                                    <p:cond delay="0"/>
+                                  </p:stCondLst>
+                                  <p:childTnLst>
+                                    <p:set>
+                                      <p:cBhvr>
+                                        <p:cTn id="6" dur="1" fill="hold">
+                                          <p:stCondLst>
+                                            <p:cond delay="0"/>
+                                          </p:stCondLst>
+                                        </p:cTn>
+                                        <p:tgtEl>
+                                          <p:spTgt spid="3">
+                                            <p:txEl>
+                                              <p:pRg st="5" end="5"/>
+                                            </p:txEl>
+                                          </p:spTgt>
+                                        </p:tgtEl>
+                                        <p:attrNameLst>
+                                          <p:attrName>style.visibility</p:attrName>
+                                        </p:attrNameLst>
+                                      </p:cBhvr>
+                                      <p:to>
+                                        <p:strVal val="visible"/>
+                                      </p:to>
+                                    </p:set>
+                                  </p:childTnLst>
+                                </p:cTn>
+                              </p:par>
+                            </p:childTnLst>
+                          </p:cTn>
+                        </p:par>
+                      </p:childTnLst>
+                    </p:cTn>
+                  </p:par>
+                  <p:par>
+                    <p:cTn id="7" fill="hold">
+                      <p:stCondLst>
+                        <p:cond delay="indefinite"/>
+                      </p:stCondLst>
+                      <p:childTnLst>
+                        <p:par>
+                          <p:cTn id="8" fill="hold">
+                            <p:stCondLst>
+                              <p:cond delay="0"/>
+                            </p:stCondLst>
+                            <p:childTnLst>
+                              <p:par>
+                                <p:cTn id="9" presetID="1" presetClass="entr" presetSubtype="0" fill="hold" nodeType="clickEffect">
+                                  <p:stCondLst>
+                                    <p:cond delay="0"/>
+                                  </p:stCondLst>
+                                  <p:childTnLst>
+                                    <p:set>
+                                      <p:cBhvr>
+                                        <p:cTn id="10" dur="1" fill="hold">
+                                          <p:stCondLst>
+                                            <p:cond delay="0"/>
+                                          </p:stCondLst>
+                                        </p:cTn>
+                                        <p:tgtEl>
+                                          <p:spTgt spid="3">
+                                            <p:txEl>
+                                              <p:pRg st="7" end="7"/>
+                                            </p:txEl>
+                                          </p:spTgt>
+                                        </p:tgtEl>
+                                        <p:attrNameLst>
+                                          <p:attrName>style.visibility</p:attrName>
+                                        </p:attrNameLst>
+                                      </p:cBhvr>
+                                      <p:to>
+                                        <p:strVal val="visible"/>
+                                      </p:to>
+                                    </p:set>
+                                  </p:childTnLst>
+                                </p:cTn>
+                              </p:par>
+                            </p:childTnLst>
+                          </p:cTn>
+                        </p:par>
+                      </p:childTnLst>
+                    </p:cTn>
+                  </p:par>
+                </p:childTnLst>
+              </p:cTn>
+              <p:prevCondLst>
+                <p:cond evt="onPrev" delay="0">
+                  <p:tgtEl>
+                    <p:sldTgt/>
+                  </p:tgtEl>
+                </p:cond>
+              </p:prevCondLst>
+              <p:nextCondLst>
+                <p:cond evt="onNext" delay="0">
+                  <p:tgtEl>
+                    <p:sldTgt/>
+                  </p:tgtEl>
+                </p:cond>
+              </p:nextCondLst>
+            </p:seq>
+          </p:childTnLst>
+        </p:cTn>
       </p:par>
     </p:tnLst>
   </p:timing>
@@ -5063,14 +5221,7 @@
                 <a:latin typeface="Courier New"/>
                 <a:cs typeface="Courier New"/>
               </a:rPr>
-              <a:t> </a:t>
-            </a:r>
-            <a:r>
-              <a:rPr lang="en-US" b="1" smtClean="0">
-                <a:latin typeface="Courier New"/>
-                <a:cs typeface="Courier New"/>
-              </a:rPr>
-              <a:t>.controller(&lt;naam&gt;,&lt;definitiefunctie_van_controller&gt;)</a:t>
+              <a:t> .controller(&lt;naam&gt;,&lt;definitiefunctie_van_controller&gt;)</a:t>
             </a:r>
           </a:p>
           <a:p>
@@ -5159,28 +5310,21 @@
           <a:lstStyle/>
           <a:p>
             <a:r>
-              <a:rPr lang="en-US" sz="1200" b="1" smtClean="0">
+              <a:rPr lang="en-US" sz="1400" b="1" smtClean="0">
                 <a:latin typeface="Courier New"/>
                 <a:cs typeface="Courier New"/>
               </a:rPr>
               <a:t>angular.module</a:t>
             </a:r>
             <a:r>
-              <a:rPr lang="en-US" sz="1200" b="1">
-                <a:latin typeface="Courier New"/>
-                <a:cs typeface="Courier New"/>
-              </a:rPr>
-              <a:t>(‘</a:t>
-            </a:r>
-            <a:r>
-              <a:rPr lang="en-US" sz="1200" b="1">
-                <a:latin typeface="Courier New"/>
-                <a:cs typeface="Courier New"/>
-              </a:rPr>
-              <a:t>myApp</a:t>
-            </a:r>
-            <a:r>
-              <a:rPr lang="en-US" sz="1200" b="1" smtClean="0">
+              <a:rPr lang="en-US" sz="1400" b="1">
+                <a:latin typeface="Courier New"/>
+                <a:cs typeface="Courier New"/>
+              </a:rPr>
+              <a:t>(‘myApp</a:t>
+            </a:r>
+            <a:r>
+              <a:rPr lang="en-US" sz="1400" b="1" smtClean="0">
                 <a:latin typeface="Courier New"/>
                 <a:cs typeface="Courier New"/>
               </a:rPr>
@@ -5188,14 +5332,14 @@
             </a:r>
           </a:p>
           <a:p>
-            <a:endParaRPr lang="en-US" sz="1200" b="1" smtClean="0">
+            <a:endParaRPr lang="en-US" sz="1400" b="1" smtClean="0">
               <a:latin typeface="Courier New"/>
               <a:cs typeface="Courier New"/>
             </a:endParaRPr>
           </a:p>
           <a:p>
             <a:r>
-              <a:rPr lang="en-US" sz="1200" b="1" smtClean="0">
+              <a:rPr lang="en-US" sz="1400" b="1" smtClean="0">
                 <a:latin typeface="Courier New"/>
                 <a:cs typeface="Courier New"/>
               </a:rPr>
@@ -5204,74 +5348,74 @@
           </a:p>
           <a:p>
             <a:r>
-              <a:rPr lang="en-US" sz="1200" b="1" smtClean="0">
-                <a:latin typeface="Courier New"/>
-                <a:cs typeface="Courier New"/>
-              </a:rPr>
-              <a:t>    var vm = this;		      // opslaan this in vm (=view model)</a:t>
-            </a:r>
-          </a:p>
-          <a:p>
-            <a:endParaRPr lang="en-US" sz="1200" b="1" smtClean="0">
+              <a:rPr lang="en-US" sz="1400" b="1" smtClean="0">
+                <a:latin typeface="Courier New"/>
+                <a:cs typeface="Courier New"/>
+              </a:rPr>
+              <a:t>    var vm = this;              // opslaan this in vm (=view model)</a:t>
+            </a:r>
+          </a:p>
+          <a:p>
+            <a:endParaRPr lang="en-US" sz="1400" b="1" smtClean="0">
               <a:latin typeface="Courier New"/>
               <a:cs typeface="Courier New"/>
             </a:endParaRPr>
           </a:p>
           <a:p>
             <a:r>
-              <a:rPr lang="en-US" sz="1200" b="1" smtClean="0">
+              <a:rPr lang="en-US" sz="1400" b="1" smtClean="0">
                 <a:latin typeface="Courier New"/>
                 <a:cs typeface="Courier New"/>
               </a:rPr>
               <a:t>    vm.titel = ‘Dit is een titel’;  </a:t>
             </a:r>
-            <a:endParaRPr lang="en-US" sz="1200" b="1">
+            <a:endParaRPr lang="en-US" sz="1400" b="1">
               <a:latin typeface="Courier New"/>
               <a:cs typeface="Courier New"/>
             </a:endParaRPr>
           </a:p>
           <a:p>
             <a:r>
-              <a:rPr lang="en-US" sz="1200" b="1">
+              <a:rPr lang="en-US" sz="1400" b="1">
                 <a:latin typeface="Courier New"/>
                 <a:cs typeface="Courier New"/>
               </a:rPr>
               <a:t> </a:t>
             </a:r>
             <a:r>
-              <a:rPr lang="en-US" sz="1200" b="1" smtClean="0">
-                <a:latin typeface="Courier New"/>
-                <a:cs typeface="Courier New"/>
-              </a:rPr>
-              <a:t>   vm.data = myService.getData();  // het resultaat van deze functie 	</a:t>
-            </a:r>
-          </a:p>
-          <a:p>
-            <a:r>
-              <a:rPr lang="en-US" sz="1200" b="1">
-                <a:latin typeface="Courier New"/>
-                <a:cs typeface="Courier New"/>
-              </a:rPr>
-              <a:t>	</a:t>
-            </a:r>
-            <a:r>
-              <a:rPr lang="en-US" sz="1200" b="1" smtClean="0">
-                <a:latin typeface="Courier New"/>
-                <a:cs typeface="Courier New"/>
-              </a:rPr>
-              <a:t>		      // zetten we in vm.data</a:t>
-            </a:r>
-          </a:p>
-          <a:p>
-            <a:r>
-              <a:rPr lang="en-US" sz="1200" b="1">
+              <a:rPr lang="en-US" sz="1400" b="1" smtClean="0">
+                <a:latin typeface="Courier New"/>
+                <a:cs typeface="Courier New"/>
+              </a:rPr>
+              <a:t>   vm.data = myService.getData();  // het resultaat van deze </a:t>
+            </a:r>
+          </a:p>
+          <a:p>
+            <a:r>
+              <a:rPr lang="en-US" sz="1400" b="1">
+                <a:latin typeface="Courier New"/>
+                <a:cs typeface="Courier New"/>
+              </a:rPr>
+              <a:t>                                    </a:t>
+            </a:r>
+            <a:r>
+              <a:rPr lang="en-US" sz="1400" b="1" smtClean="0">
+                <a:latin typeface="Courier New"/>
+                <a:cs typeface="Courier New"/>
+              </a:rPr>
+              <a:t>// functie zetten we in vm.data</a:t>
+            </a:r>
+          </a:p>
+          <a:p>
+            <a:r>
+              <a:rPr lang="en-US" sz="1400" b="1">
                 <a:latin typeface="Courier New"/>
                 <a:cs typeface="Courier New"/>
               </a:rPr>
               <a:t> </a:t>
             </a:r>
             <a:r>
-              <a:rPr lang="en-US" sz="1200" b="1" smtClean="0">
+              <a:rPr lang="en-US" sz="1400" b="1" smtClean="0">
                 <a:latin typeface="Courier New"/>
                 <a:cs typeface="Courier New"/>
               </a:rPr>
@@ -5280,7 +5424,7 @@
           </a:p>
           <a:p>
             <a:r>
-              <a:rPr lang="en-US" sz="1200" b="1" smtClean="0">
+              <a:rPr lang="en-US" sz="1400" b="1" smtClean="0">
                 <a:latin typeface="Courier New"/>
                 <a:cs typeface="Courier New"/>
               </a:rPr>
@@ -5289,52 +5433,52 @@
           </a:p>
           <a:p>
             <a:r>
-              <a:rPr lang="en-US" sz="1200" b="1">
+              <a:rPr lang="en-US" sz="1400" b="1">
                 <a:latin typeface="Courier New"/>
                 <a:cs typeface="Courier New"/>
               </a:rPr>
               <a:t> </a:t>
             </a:r>
             <a:r>
-              <a:rPr lang="en-US" sz="1200" b="1" smtClean="0">
+              <a:rPr lang="en-US" sz="1400" b="1" smtClean="0">
                 <a:latin typeface="Courier New"/>
                 <a:cs typeface="Courier New"/>
               </a:rPr>
               <a:t>     console.log(‘We hebben op een knop gedrukt!’);</a:t>
             </a:r>
-            <a:endParaRPr lang="en-US" sz="1200" b="1">
+            <a:endParaRPr lang="en-US" sz="1400" b="1">
               <a:latin typeface="Courier New"/>
               <a:cs typeface="Courier New"/>
             </a:endParaRPr>
           </a:p>
           <a:p>
             <a:r>
-              <a:rPr lang="en-US" sz="1200" b="1" smtClean="0">
+              <a:rPr lang="en-US" sz="1400" b="1" smtClean="0">
                 <a:latin typeface="Courier New"/>
                 <a:cs typeface="Courier New"/>
               </a:rPr>
               <a:t>    }</a:t>
             </a:r>
-            <a:endParaRPr lang="en-US" sz="1200" b="1">
+            <a:endParaRPr lang="en-US" sz="1400" b="1">
               <a:latin typeface="Courier New"/>
               <a:cs typeface="Courier New"/>
             </a:endParaRPr>
           </a:p>
           <a:p>
-            <a:endParaRPr lang="en-US" sz="1200" b="1" smtClean="0">
+            <a:endParaRPr lang="en-US" sz="1400" b="1" smtClean="0">
               <a:latin typeface="Courier New"/>
               <a:cs typeface="Courier New"/>
             </a:endParaRPr>
           </a:p>
           <a:p>
             <a:r>
-              <a:rPr lang="en-US" sz="1200" b="1" smtClean="0">
+              <a:rPr lang="en-US" sz="1400" b="1" smtClean="0">
                 <a:latin typeface="Courier New"/>
                 <a:cs typeface="Courier New"/>
               </a:rPr>
               <a:t>});</a:t>
             </a:r>
-            <a:endParaRPr lang="en-US" sz="1200" b="1">
+            <a:endParaRPr lang="en-US" sz="1400" b="1">
               <a:latin typeface="Courier New"/>
               <a:cs typeface="Courier New"/>
             </a:endParaRPr>
@@ -5759,9 +5903,280 @@
   <p:timing>
     <p:tnLst>
       <p:par>
-        <p:cTn xmlns:p14="http://schemas.microsoft.com/office/powerpoint/2010/main" id="1" dur="indefinite" restart="never" nodeType="tmRoot"/>
+        <p:cTn xmlns:p14="http://schemas.microsoft.com/office/powerpoint/2010/main" id="1" dur="indefinite" restart="never" nodeType="tmRoot">
+          <p:childTnLst>
+            <p:seq concurrent="1" nextAc="seek">
+              <p:cTn id="2" dur="indefinite" nodeType="mainSeq">
+                <p:childTnLst>
+                  <p:par>
+                    <p:cTn id="3" fill="hold">
+                      <p:stCondLst>
+                        <p:cond delay="indefinite"/>
+                      </p:stCondLst>
+                      <p:childTnLst>
+                        <p:par>
+                          <p:cTn id="4" fill="hold">
+                            <p:stCondLst>
+                              <p:cond delay="0"/>
+                            </p:stCondLst>
+                            <p:childTnLst>
+                              <p:par>
+                                <p:cTn id="5" presetID="1" presetClass="entr" presetSubtype="0" fill="hold" nodeType="clickEffect">
+                                  <p:stCondLst>
+                                    <p:cond delay="0"/>
+                                  </p:stCondLst>
+                                  <p:childTnLst>
+                                    <p:set>
+                                      <p:cBhvr>
+                                        <p:cTn id="6" dur="1" fill="hold">
+                                          <p:stCondLst>
+                                            <p:cond delay="0"/>
+                                          </p:stCondLst>
+                                        </p:cTn>
+                                        <p:tgtEl>
+                                          <p:spTgt spid="11"/>
+                                        </p:tgtEl>
+                                        <p:attrNameLst>
+                                          <p:attrName>style.visibility</p:attrName>
+                                        </p:attrNameLst>
+                                      </p:cBhvr>
+                                      <p:to>
+                                        <p:strVal val="visible"/>
+                                      </p:to>
+                                    </p:set>
+                                  </p:childTnLst>
+                                </p:cTn>
+                              </p:par>
+                              <p:par>
+                                <p:cTn id="7" presetID="1" presetClass="entr" presetSubtype="0" fill="hold" nodeType="withEffect">
+                                  <p:stCondLst>
+                                    <p:cond delay="0"/>
+                                  </p:stCondLst>
+                                  <p:childTnLst>
+                                    <p:set>
+                                      <p:cBhvr>
+                                        <p:cTn id="8" dur="1" fill="hold">
+                                          <p:stCondLst>
+                                            <p:cond delay="0"/>
+                                          </p:stCondLst>
+                                        </p:cTn>
+                                        <p:tgtEl>
+                                          <p:spTgt spid="7"/>
+                                        </p:tgtEl>
+                                        <p:attrNameLst>
+                                          <p:attrName>style.visibility</p:attrName>
+                                        </p:attrNameLst>
+                                      </p:cBhvr>
+                                      <p:to>
+                                        <p:strVal val="visible"/>
+                                      </p:to>
+                                    </p:set>
+                                  </p:childTnLst>
+                                </p:cTn>
+                              </p:par>
+                              <p:par>
+                                <p:cTn id="9" presetID="1" presetClass="entr" presetSubtype="0" fill="hold" grpId="0" nodeType="withEffect">
+                                  <p:stCondLst>
+                                    <p:cond delay="0"/>
+                                  </p:stCondLst>
+                                  <p:childTnLst>
+                                    <p:set>
+                                      <p:cBhvr>
+                                        <p:cTn id="10" dur="1" fill="hold">
+                                          <p:stCondLst>
+                                            <p:cond delay="0"/>
+                                          </p:stCondLst>
+                                        </p:cTn>
+                                        <p:tgtEl>
+                                          <p:spTgt spid="9"/>
+                                        </p:tgtEl>
+                                        <p:attrNameLst>
+                                          <p:attrName>style.visibility</p:attrName>
+                                        </p:attrNameLst>
+                                      </p:cBhvr>
+                                      <p:to>
+                                        <p:strVal val="visible"/>
+                                      </p:to>
+                                    </p:set>
+                                  </p:childTnLst>
+                                </p:cTn>
+                              </p:par>
+                            </p:childTnLst>
+                          </p:cTn>
+                        </p:par>
+                      </p:childTnLst>
+                    </p:cTn>
+                  </p:par>
+                  <p:par>
+                    <p:cTn id="11" fill="hold">
+                      <p:stCondLst>
+                        <p:cond delay="indefinite"/>
+                      </p:stCondLst>
+                      <p:childTnLst>
+                        <p:par>
+                          <p:cTn id="12" fill="hold">
+                            <p:stCondLst>
+                              <p:cond delay="0"/>
+                            </p:stCondLst>
+                            <p:childTnLst>
+                              <p:par>
+                                <p:cTn id="13" presetID="1" presetClass="entr" presetSubtype="0" fill="hold" grpId="0" nodeType="clickEffect">
+                                  <p:stCondLst>
+                                    <p:cond delay="0"/>
+                                  </p:stCondLst>
+                                  <p:childTnLst>
+                                    <p:set>
+                                      <p:cBhvr>
+                                        <p:cTn id="14" dur="1" fill="hold">
+                                          <p:stCondLst>
+                                            <p:cond delay="0"/>
+                                          </p:stCondLst>
+                                        </p:cTn>
+                                        <p:tgtEl>
+                                          <p:spTgt spid="8"/>
+                                        </p:tgtEl>
+                                        <p:attrNameLst>
+                                          <p:attrName>style.visibility</p:attrName>
+                                        </p:attrNameLst>
+                                      </p:cBhvr>
+                                      <p:to>
+                                        <p:strVal val="visible"/>
+                                      </p:to>
+                                    </p:set>
+                                  </p:childTnLst>
+                                </p:cTn>
+                              </p:par>
+                              <p:par>
+                                <p:cTn id="15" presetID="1" presetClass="entr" presetSubtype="0" fill="hold" nodeType="withEffect">
+                                  <p:stCondLst>
+                                    <p:cond delay="0"/>
+                                  </p:stCondLst>
+                                  <p:childTnLst>
+                                    <p:set>
+                                      <p:cBhvr>
+                                        <p:cTn id="16" dur="1" fill="hold">
+                                          <p:stCondLst>
+                                            <p:cond delay="0"/>
+                                          </p:stCondLst>
+                                        </p:cTn>
+                                        <p:tgtEl>
+                                          <p:spTgt spid="5"/>
+                                        </p:tgtEl>
+                                        <p:attrNameLst>
+                                          <p:attrName>style.visibility</p:attrName>
+                                        </p:attrNameLst>
+                                      </p:cBhvr>
+                                      <p:to>
+                                        <p:strVal val="visible"/>
+                                      </p:to>
+                                    </p:set>
+                                  </p:childTnLst>
+                                </p:cTn>
+                              </p:par>
+                            </p:childTnLst>
+                          </p:cTn>
+                        </p:par>
+                      </p:childTnLst>
+                    </p:cTn>
+                  </p:par>
+                  <p:par>
+                    <p:cTn id="17" fill="hold">
+                      <p:stCondLst>
+                        <p:cond delay="indefinite"/>
+                      </p:stCondLst>
+                      <p:childTnLst>
+                        <p:par>
+                          <p:cTn id="18" fill="hold">
+                            <p:stCondLst>
+                              <p:cond delay="0"/>
+                            </p:stCondLst>
+                            <p:childTnLst>
+                              <p:par>
+                                <p:cTn id="19" presetID="1" presetClass="entr" presetSubtype="0" fill="hold" grpId="0" nodeType="clickEffect">
+                                  <p:stCondLst>
+                                    <p:cond delay="0"/>
+                                  </p:stCondLst>
+                                  <p:childTnLst>
+                                    <p:set>
+                                      <p:cBhvr>
+                                        <p:cTn id="20" dur="1" fill="hold">
+                                          <p:stCondLst>
+                                            <p:cond delay="0"/>
+                                          </p:stCondLst>
+                                        </p:cTn>
+                                        <p:tgtEl>
+                                          <p:spTgt spid="14"/>
+                                        </p:tgtEl>
+                                        <p:attrNameLst>
+                                          <p:attrName>style.visibility</p:attrName>
+                                        </p:attrNameLst>
+                                      </p:cBhvr>
+                                      <p:to>
+                                        <p:strVal val="visible"/>
+                                      </p:to>
+                                    </p:set>
+                                  </p:childTnLst>
+                                </p:cTn>
+                              </p:par>
+                              <p:par>
+                                <p:cTn id="21" presetID="1" presetClass="entr" presetSubtype="0" fill="hold" nodeType="withEffect">
+                                  <p:stCondLst>
+                                    <p:cond delay="0"/>
+                                  </p:stCondLst>
+                                  <p:childTnLst>
+                                    <p:set>
+                                      <p:cBhvr>
+                                        <p:cTn id="22" dur="1" fill="hold">
+                                          <p:stCondLst>
+                                            <p:cond delay="0"/>
+                                          </p:stCondLst>
+                                        </p:cTn>
+                                        <p:tgtEl>
+                                          <p:spTgt spid="18"/>
+                                        </p:tgtEl>
+                                        <p:attrNameLst>
+                                          <p:attrName>style.visibility</p:attrName>
+                                        </p:attrNameLst>
+                                      </p:cBhvr>
+                                      <p:to>
+                                        <p:strVal val="visible"/>
+                                      </p:to>
+                                    </p:set>
+                                  </p:childTnLst>
+                                </p:cTn>
+                              </p:par>
+                            </p:childTnLst>
+                          </p:cTn>
+                        </p:par>
+                      </p:childTnLst>
+                    </p:cTn>
+                  </p:par>
+                </p:childTnLst>
+              </p:cTn>
+              <p:prevCondLst>
+                <p:cond evt="onPrev" delay="0">
+                  <p:tgtEl>
+                    <p:sldTgt/>
+                  </p:tgtEl>
+                </p:cond>
+              </p:prevCondLst>
+              <p:nextCondLst>
+                <p:cond evt="onNext" delay="0">
+                  <p:tgtEl>
+                    <p:sldTgt/>
+                  </p:tgtEl>
+                </p:cond>
+              </p:nextCondLst>
+            </p:seq>
+          </p:childTnLst>
+        </p:cTn>
       </p:par>
     </p:tnLst>
+    <p:bldLst>
+      <p:bldP spid="8" grpId="0"/>
+      <p:bldP spid="9" grpId="0"/>
+      <p:bldP spid="14" grpId="0"/>
+    </p:bldLst>
   </p:timing>
 </p:sld>
 </file>
@@ -5800,7 +6215,7 @@
           <a:p>
             <a:r>
               <a:rPr lang="en-US" smtClean="0"/>
-              <a:t>Angular service</a:t>
+              <a:t>Angular ingebouwde directives</a:t>
             </a:r>
             <a:endParaRPr lang="en-US" dirty="0"/>
           </a:p>
@@ -5826,25 +6241,107 @@
           <a:p>
             <a:r>
               <a:rPr lang="en-US" smtClean="0"/>
-              <a:t>Een service is een object dat door middel van ‘dependency injection’ door andere objecten gebruikt kan worden. </a:t>
-            </a:r>
-          </a:p>
-          <a:p>
-            <a:endParaRPr lang="en-US" sz="1600" b="1">
-              <a:latin typeface="Courier New"/>
-              <a:cs typeface="Courier New"/>
+              <a:t>Angular heeft een aantal ingebouwde directives die je in je templates kunt gebruiken.</a:t>
+            </a:r>
+          </a:p>
+          <a:p>
+            <a:endParaRPr lang="en-US">
+              <a:latin typeface="Verdana"/>
+              <a:cs typeface="Verdana"/>
             </a:endParaRPr>
           </a:p>
           <a:p>
             <a:r>
-              <a:rPr lang="en-US" smtClean="0">
+              <a:rPr lang="en-US" sz="1200">
                 <a:latin typeface="Verdana"/>
                 <a:cs typeface="Verdana"/>
               </a:rPr>
-              <a:t>Je kunt een service gebruiken om code te groeperen en delen binnen je applicatie.</a:t>
-            </a:r>
-          </a:p>
-          <a:p>
+              <a:t>ng-model	-	2-way binding (view -&gt; controller en controller -&gt; view)</a:t>
+            </a:r>
+          </a:p>
+          <a:p>
+            <a:r>
+              <a:rPr lang="en-US" sz="1200">
+                <a:latin typeface="Verdana"/>
+                <a:cs typeface="Verdana"/>
+              </a:rPr>
+              <a:t>ng-bind	-	1-way binding (alleen controller -&gt; view, niet andersom)</a:t>
+            </a:r>
+          </a:p>
+          <a:p>
+            <a:r>
+              <a:rPr lang="en-US" sz="1200">
+                <a:latin typeface="Verdana"/>
+                <a:cs typeface="Verdana"/>
+              </a:rPr>
+              <a:t>n</a:t>
+            </a:r>
+            <a:r>
+              <a:rPr lang="en-US" sz="1200" smtClean="0">
+                <a:latin typeface="Verdana"/>
+                <a:cs typeface="Verdana"/>
+              </a:rPr>
+              <a:t>g-repeat	-	herhalende groepen</a:t>
+            </a:r>
+          </a:p>
+          <a:p>
+            <a:r>
+              <a:rPr lang="en-US" sz="1200">
+                <a:latin typeface="Verdana"/>
+                <a:cs typeface="Verdana"/>
+              </a:rPr>
+              <a:t>ng-show	-	toon een element obv de uitkomst v/e expressie</a:t>
+            </a:r>
+          </a:p>
+          <a:p>
+            <a:r>
+              <a:rPr lang="en-US" sz="1200">
+                <a:latin typeface="Verdana"/>
+                <a:cs typeface="Verdana"/>
+              </a:rPr>
+              <a:t>n</a:t>
+            </a:r>
+            <a:r>
+              <a:rPr lang="en-US" sz="1200" smtClean="0">
+                <a:latin typeface="Verdana"/>
+                <a:cs typeface="Verdana"/>
+              </a:rPr>
+              <a:t>g-hide	-	verberg een element obv de uitkomst v/e expressie</a:t>
+            </a:r>
+          </a:p>
+          <a:p>
+            <a:r>
+              <a:rPr lang="en-US" sz="1200">
+                <a:latin typeface="Verdana"/>
+                <a:cs typeface="Verdana"/>
+              </a:rPr>
+              <a:t>ng-click	-	voer een functie uit bij een click event</a:t>
+            </a:r>
+          </a:p>
+          <a:p>
+            <a:r>
+              <a:rPr lang="en-US" sz="1200" smtClean="0">
+                <a:latin typeface="Verdana"/>
+                <a:cs typeface="Verdana"/>
+              </a:rPr>
+              <a:t>ng-change	-	voer een functie uit bij een wijziging</a:t>
+            </a:r>
+          </a:p>
+          <a:p>
+            <a:endParaRPr lang="en-US" smtClean="0">
+              <a:latin typeface="Verdana"/>
+              <a:cs typeface="Verdana"/>
+            </a:endParaRPr>
+          </a:p>
+          <a:p>
+            <a:r>
+              <a:rPr lang="en-US" smtClean="0"/>
+              <a:t>En nog meer</a:t>
+            </a:r>
+            <a:r>
+              <a:rPr lang="mr-IN" smtClean="0"/>
+              <a:t>…</a:t>
+            </a:r>
             <a:endParaRPr lang="en-US" smtClean="0"/>
           </a:p>
         </p:txBody>
@@ -5980,7 +6477,6 @@
               <a:rPr lang="nl-NL" smtClean="0"/>
               <a:t> Controller pattern</a:t>
             </a:r>
-            <a:endParaRPr lang="nl-NL" smtClean="0"/>
           </a:p>
           <a:p>
             <a:pPr marL="465138" lvl="1" indent="-285750">
@@ -5989,7 +6485,7 @@
             </a:pPr>
             <a:r>
               <a:rPr lang="nl-NL" smtClean="0"/>
-              <a:t>Structuur</a:t>
+              <a:t>Structuur van een Angular applicatie</a:t>
             </a:r>
             <a:endParaRPr lang="nl-NL" dirty="0"/>
           </a:p>
@@ -6009,9 +6505,10 @@
               <a:buChar char="•"/>
             </a:pPr>
             <a:r>
-              <a:rPr lang="nl-NL" dirty="0" smtClean="0"/>
-              <a:t>Controllers / views</a:t>
-            </a:r>
+              <a:rPr lang="nl-NL" dirty="0"/>
+              <a:t>Configuratie</a:t>
+            </a:r>
+            <a:endParaRPr lang="nl-NL" dirty="0"/>
           </a:p>
           <a:p>
             <a:pPr marL="465138" lvl="1" indent="-285750">
@@ -6020,7 +6517,7 @@
             </a:pPr>
             <a:r>
               <a:rPr lang="nl-NL" dirty="0" smtClean="0"/>
-              <a:t>Services</a:t>
+              <a:t>Controllers / views</a:t>
             </a:r>
           </a:p>
           <a:p>
@@ -6030,7 +6527,34 @@
             </a:pPr>
             <a:r>
               <a:rPr lang="nl-NL" dirty="0" smtClean="0"/>
+              <a:t>Services</a:t>
+            </a:r>
+          </a:p>
+          <a:p>
+            <a:pPr marL="465138" lvl="1" indent="-285750">
+              <a:buFont typeface="Arial"/>
+              <a:buChar char="•"/>
+            </a:pPr>
+            <a:r>
+              <a:rPr lang="nl-NL" dirty="0" smtClean="0"/>
               <a:t>Routing</a:t>
+            </a:r>
+          </a:p>
+          <a:p>
+            <a:pPr marL="465138" lvl="1" indent="-285750">
+              <a:buFont typeface="Arial"/>
+              <a:buChar char="•"/>
+            </a:pPr>
+            <a:endParaRPr lang="nl-NL" dirty="0" smtClean="0"/>
+          </a:p>
+          <a:p>
+            <a:pPr marL="465138" lvl="1" indent="-285750">
+              <a:buFont typeface="Arial"/>
+              <a:buChar char="•"/>
+            </a:pPr>
+            <a:r>
+              <a:rPr lang="nl-NL" dirty="0"/>
+              <a:t>Opdrachten </a:t>
             </a:r>
             <a:endParaRPr lang="nl-NL" dirty="0"/>
           </a:p>
@@ -6094,7 +6618,7 @@
           <a:p>
             <a:r>
               <a:rPr lang="en-US" smtClean="0"/>
-              <a:t>Angular service</a:t>
+              <a:t>Angular ingebouwde directives voorbeelden</a:t>
             </a:r>
             <a:endParaRPr lang="en-US" dirty="0"/>
           </a:p>
@@ -6115,61 +6639,119 @@
           <a:bodyPr/>
           <a:lstStyle/>
           <a:p>
-            <a:r>
-              <a:rPr lang="en-US" smtClean="0"/>
-              <a:t>Een service registreer je bij een module</a:t>
-            </a:r>
-          </a:p>
-          <a:p>
-            <a:endParaRPr lang="en-US" smtClean="0"/>
-          </a:p>
-          <a:p>
-            <a:r>
-              <a:rPr lang="en-US" smtClean="0"/>
-              <a:t>Definitie van een module:</a:t>
-            </a:r>
-          </a:p>
-          <a:p>
-            <a:endParaRPr lang="en-US"/>
-          </a:p>
-          <a:p>
-            <a:r>
-              <a:rPr lang="en-US" sz="1600" b="1">
-                <a:latin typeface="Courier New"/>
-                <a:cs typeface="Courier New"/>
-              </a:rPr>
-              <a:t>a</a:t>
-            </a:r>
-            <a:r>
-              <a:rPr lang="en-US" sz="1600" b="1" smtClean="0">
-                <a:latin typeface="Courier New"/>
-                <a:cs typeface="Courier New"/>
-              </a:rPr>
-              <a:t>ngular.module(&lt;moduleNaam&gt;)</a:t>
-            </a:r>
-          </a:p>
-          <a:p>
-            <a:r>
-              <a:rPr lang="en-US" sz="1600" b="1">
-                <a:latin typeface="Courier New"/>
-                <a:cs typeface="Courier New"/>
-              </a:rPr>
-              <a:t> </a:t>
-            </a:r>
-            <a:r>
-              <a:rPr lang="en-US" sz="1600" b="1" smtClean="0">
-                <a:latin typeface="Courier New"/>
-                <a:cs typeface="Courier New"/>
-              </a:rPr>
-              <a:t> </a:t>
-            </a:r>
-            <a:r>
-              <a:rPr lang="en-US" sz="1600" b="1" smtClean="0">
-                <a:latin typeface="Courier New"/>
-                <a:cs typeface="Courier New"/>
-              </a:rPr>
-              <a:t>.factory(&lt;serviceNaam&gt;, &lt;definitiefunctie_van_service&gt;)</a:t>
-            </a:r>
+            <a:endParaRPr lang="en-US" sz="1200" b="1" smtClean="0">
+              <a:latin typeface="Courier New"/>
+              <a:cs typeface="Courier New"/>
+            </a:endParaRPr>
+          </a:p>
+          <a:p>
+            <a:r>
+              <a:rPr lang="en-US" sz="1400" b="1">
+                <a:latin typeface="Courier New"/>
+                <a:cs typeface="Courier New"/>
+              </a:rPr>
+              <a:t>&lt;input ng-model=“vm.invoerveld”&gt;</a:t>
+            </a:r>
+          </a:p>
+          <a:p>
+            <a:endParaRPr lang="en-US" sz="1400" b="1" smtClean="0">
+              <a:latin typeface="Courier New"/>
+              <a:cs typeface="Courier New"/>
+            </a:endParaRPr>
+          </a:p>
+          <a:p>
+            <a:r>
+              <a:rPr lang="en-US" sz="1400" b="1">
+                <a:latin typeface="Courier New"/>
+                <a:cs typeface="Courier New"/>
+              </a:rPr>
+              <a:t>&lt;h1 ng-bind=“vm.mijnTitel”&gt;&lt;/h1&gt;</a:t>
+            </a:r>
+          </a:p>
+          <a:p>
+            <a:endParaRPr lang="en-US" sz="1400" b="1" smtClean="0">
+              <a:latin typeface="Courier New"/>
+              <a:cs typeface="Courier New"/>
+            </a:endParaRPr>
+          </a:p>
+          <a:p>
+            <a:r>
+              <a:rPr lang="en-US" sz="1400" b="1">
+                <a:latin typeface="Courier New"/>
+                <a:cs typeface="Courier New"/>
+              </a:rPr>
+              <a:t>&lt;li ng-repeat=“gebruiker in vm.gebruikers&gt;{{gebruiker.naam}}&lt;/li&gt;</a:t>
+            </a:r>
+          </a:p>
+          <a:p>
+            <a:endParaRPr lang="en-US" sz="1400" b="1" smtClean="0">
+              <a:latin typeface="Courier New"/>
+              <a:cs typeface="Courier New"/>
+            </a:endParaRPr>
+          </a:p>
+          <a:p>
+            <a:r>
+              <a:rPr lang="en-US" sz="1400" b="1">
+                <a:latin typeface="Courier New"/>
+                <a:cs typeface="Courier New"/>
+              </a:rPr>
+              <a:t>&lt;div ng-show=“vm.error”&gt;Er ging iets fout&lt;/div&gt;</a:t>
+            </a:r>
+          </a:p>
+          <a:p>
+            <a:endParaRPr lang="en-US" sz="1400" b="1" smtClean="0">
+              <a:latin typeface="Courier New"/>
+              <a:cs typeface="Courier New"/>
+            </a:endParaRPr>
+          </a:p>
+          <a:p>
+            <a:r>
+              <a:rPr lang="en-US" sz="1400" b="1">
+                <a:latin typeface="Courier New"/>
+                <a:cs typeface="Courier New"/>
+              </a:rPr>
+              <a:t>&lt;div ng-hide=“vm.invoer”&gt;Invoer is leeg&lt;/div&gt;</a:t>
+            </a:r>
+          </a:p>
+          <a:p>
+            <a:endParaRPr lang="en-US" sz="1400" b="1" smtClean="0">
+              <a:latin typeface="Courier New"/>
+              <a:cs typeface="Courier New"/>
+            </a:endParaRPr>
+          </a:p>
+          <a:p>
+            <a:r>
+              <a:rPr lang="en-US" sz="1400" b="1">
+                <a:latin typeface="Courier New"/>
+                <a:cs typeface="Courier New"/>
+              </a:rPr>
+              <a:t>&lt;button ng-click=“vm.submitForm()”&gt;submit&lt;/button&gt;</a:t>
+            </a:r>
+          </a:p>
+          <a:p>
+            <a:endParaRPr lang="en-US" sz="1400" b="1" smtClean="0">
+              <a:latin typeface="Courier New"/>
+              <a:cs typeface="Courier New"/>
+            </a:endParaRPr>
+          </a:p>
+          <a:p>
+            <a:r>
+              <a:rPr lang="en-US" sz="1400" b="1">
+                <a:latin typeface="Courier New"/>
+                <a:cs typeface="Courier New"/>
+              </a:rPr>
+              <a:t>&lt;input ng-change=“vm.doeIets(vm.invoer)” ng-model=“vm.invoer”&gt;</a:t>
+            </a:r>
+            <a:endParaRPr lang="en-US" sz="1400" b="1" smtClean="0">
+              <a:latin typeface="Courier New"/>
+              <a:cs typeface="Courier New"/>
+            </a:endParaRPr>
+          </a:p>
+          <a:p>
+            <a:endParaRPr lang="en-US" smtClean="0">
+              <a:latin typeface="Verdana"/>
+              <a:cs typeface="Verdana"/>
+            </a:endParaRPr>
           </a:p>
           <a:p>
             <a:endParaRPr lang="en-US" smtClean="0"/>
@@ -6179,7 +6761,7 @@
     </p:spTree>
     <p:extLst>
       <p:ext uri="{BB962C8B-B14F-4D97-AF65-F5344CB8AC3E}">
-        <p14:creationId xmlns:p14="http://schemas.microsoft.com/office/powerpoint/2010/main" val="1484837622"/>
+        <p14:creationId xmlns:p14="http://schemas.microsoft.com/office/powerpoint/2010/main" val="3055141111"/>
       </p:ext>
     </p:extLst>
   </p:cSld>
@@ -6189,7 +6771,404 @@
   <p:timing>
     <p:tnLst>
       <p:par>
-        <p:cTn xmlns:p14="http://schemas.microsoft.com/office/powerpoint/2010/main" id="1" dur="indefinite" restart="never" nodeType="tmRoot"/>
+        <p:cTn xmlns:p14="http://schemas.microsoft.com/office/powerpoint/2010/main" id="1" dur="indefinite" restart="never" nodeType="tmRoot">
+          <p:childTnLst>
+            <p:seq concurrent="1" nextAc="seek">
+              <p:cTn id="2" dur="indefinite" nodeType="mainSeq">
+                <p:childTnLst>
+                  <p:par>
+                    <p:cTn id="3" fill="hold">
+                      <p:stCondLst>
+                        <p:cond delay="indefinite"/>
+                      </p:stCondLst>
+                      <p:childTnLst>
+                        <p:par>
+                          <p:cTn id="4" fill="hold">
+                            <p:stCondLst>
+                              <p:cond delay="0"/>
+                            </p:stCondLst>
+                            <p:childTnLst>
+                              <p:par>
+                                <p:cTn id="5" presetID="1" presetClass="entr" presetSubtype="0" fill="hold" nodeType="clickEffect">
+                                  <p:stCondLst>
+                                    <p:cond delay="0"/>
+                                  </p:stCondLst>
+                                  <p:childTnLst>
+                                    <p:set>
+                                      <p:cBhvr>
+                                        <p:cTn id="6" dur="1" fill="hold">
+                                          <p:stCondLst>
+                                            <p:cond delay="0"/>
+                                          </p:stCondLst>
+                                        </p:cTn>
+                                        <p:tgtEl>
+                                          <p:spTgt spid="3">
+                                            <p:txEl>
+                                              <p:pRg st="1" end="1"/>
+                                            </p:txEl>
+                                          </p:spTgt>
+                                        </p:tgtEl>
+                                        <p:attrNameLst>
+                                          <p:attrName>style.visibility</p:attrName>
+                                        </p:attrNameLst>
+                                      </p:cBhvr>
+                                      <p:to>
+                                        <p:strVal val="visible"/>
+                                      </p:to>
+                                    </p:set>
+                                  </p:childTnLst>
+                                </p:cTn>
+                              </p:par>
+                            </p:childTnLst>
+                          </p:cTn>
+                        </p:par>
+                      </p:childTnLst>
+                    </p:cTn>
+                  </p:par>
+                  <p:par>
+                    <p:cTn id="7" fill="hold">
+                      <p:stCondLst>
+                        <p:cond delay="indefinite"/>
+                      </p:stCondLst>
+                      <p:childTnLst>
+                        <p:par>
+                          <p:cTn id="8" fill="hold">
+                            <p:stCondLst>
+                              <p:cond delay="0"/>
+                            </p:stCondLst>
+                            <p:childTnLst>
+                              <p:par>
+                                <p:cTn id="9" presetID="1" presetClass="entr" presetSubtype="0" fill="hold" nodeType="clickEffect">
+                                  <p:stCondLst>
+                                    <p:cond delay="0"/>
+                                  </p:stCondLst>
+                                  <p:childTnLst>
+                                    <p:set>
+                                      <p:cBhvr>
+                                        <p:cTn id="10" dur="1" fill="hold">
+                                          <p:stCondLst>
+                                            <p:cond delay="0"/>
+                                          </p:stCondLst>
+                                        </p:cTn>
+                                        <p:tgtEl>
+                                          <p:spTgt spid="3">
+                                            <p:txEl>
+                                              <p:pRg st="3" end="3"/>
+                                            </p:txEl>
+                                          </p:spTgt>
+                                        </p:tgtEl>
+                                        <p:attrNameLst>
+                                          <p:attrName>style.visibility</p:attrName>
+                                        </p:attrNameLst>
+                                      </p:cBhvr>
+                                      <p:to>
+                                        <p:strVal val="visible"/>
+                                      </p:to>
+                                    </p:set>
+                                  </p:childTnLst>
+                                </p:cTn>
+                              </p:par>
+                            </p:childTnLst>
+                          </p:cTn>
+                        </p:par>
+                      </p:childTnLst>
+                    </p:cTn>
+                  </p:par>
+                  <p:par>
+                    <p:cTn id="11" fill="hold">
+                      <p:stCondLst>
+                        <p:cond delay="indefinite"/>
+                      </p:stCondLst>
+                      <p:childTnLst>
+                        <p:par>
+                          <p:cTn id="12" fill="hold">
+                            <p:stCondLst>
+                              <p:cond delay="0"/>
+                            </p:stCondLst>
+                            <p:childTnLst>
+                              <p:par>
+                                <p:cTn id="13" presetID="1" presetClass="entr" presetSubtype="0" fill="hold" nodeType="clickEffect">
+                                  <p:stCondLst>
+                                    <p:cond delay="0"/>
+                                  </p:stCondLst>
+                                  <p:childTnLst>
+                                    <p:set>
+                                      <p:cBhvr>
+                                        <p:cTn id="14" dur="1" fill="hold">
+                                          <p:stCondLst>
+                                            <p:cond delay="0"/>
+                                          </p:stCondLst>
+                                        </p:cTn>
+                                        <p:tgtEl>
+                                          <p:spTgt spid="3">
+                                            <p:txEl>
+                                              <p:pRg st="5" end="5"/>
+                                            </p:txEl>
+                                          </p:spTgt>
+                                        </p:tgtEl>
+                                        <p:attrNameLst>
+                                          <p:attrName>style.visibility</p:attrName>
+                                        </p:attrNameLst>
+                                      </p:cBhvr>
+                                      <p:to>
+                                        <p:strVal val="visible"/>
+                                      </p:to>
+                                    </p:set>
+                                  </p:childTnLst>
+                                </p:cTn>
+                              </p:par>
+                            </p:childTnLst>
+                          </p:cTn>
+                        </p:par>
+                      </p:childTnLst>
+                    </p:cTn>
+                  </p:par>
+                  <p:par>
+                    <p:cTn id="15" fill="hold">
+                      <p:stCondLst>
+                        <p:cond delay="indefinite"/>
+                      </p:stCondLst>
+                      <p:childTnLst>
+                        <p:par>
+                          <p:cTn id="16" fill="hold">
+                            <p:stCondLst>
+                              <p:cond delay="0"/>
+                            </p:stCondLst>
+                            <p:childTnLst>
+                              <p:par>
+                                <p:cTn id="17" presetID="1" presetClass="entr" presetSubtype="0" fill="hold" nodeType="clickEffect">
+                                  <p:stCondLst>
+                                    <p:cond delay="0"/>
+                                  </p:stCondLst>
+                                  <p:childTnLst>
+                                    <p:set>
+                                      <p:cBhvr>
+                                        <p:cTn id="18" dur="1" fill="hold">
+                                          <p:stCondLst>
+                                            <p:cond delay="0"/>
+                                          </p:stCondLst>
+                                        </p:cTn>
+                                        <p:tgtEl>
+                                          <p:spTgt spid="3">
+                                            <p:txEl>
+                                              <p:pRg st="7" end="7"/>
+                                            </p:txEl>
+                                          </p:spTgt>
+                                        </p:tgtEl>
+                                        <p:attrNameLst>
+                                          <p:attrName>style.visibility</p:attrName>
+                                        </p:attrNameLst>
+                                      </p:cBhvr>
+                                      <p:to>
+                                        <p:strVal val="visible"/>
+                                      </p:to>
+                                    </p:set>
+                                  </p:childTnLst>
+                                </p:cTn>
+                              </p:par>
+                            </p:childTnLst>
+                          </p:cTn>
+                        </p:par>
+                      </p:childTnLst>
+                    </p:cTn>
+                  </p:par>
+                  <p:par>
+                    <p:cTn id="19" fill="hold">
+                      <p:stCondLst>
+                        <p:cond delay="indefinite"/>
+                      </p:stCondLst>
+                      <p:childTnLst>
+                        <p:par>
+                          <p:cTn id="20" fill="hold">
+                            <p:stCondLst>
+                              <p:cond delay="0"/>
+                            </p:stCondLst>
+                            <p:childTnLst>
+                              <p:par>
+                                <p:cTn id="21" presetID="1" presetClass="entr" presetSubtype="0" fill="hold" nodeType="clickEffect">
+                                  <p:stCondLst>
+                                    <p:cond delay="0"/>
+                                  </p:stCondLst>
+                                  <p:childTnLst>
+                                    <p:set>
+                                      <p:cBhvr>
+                                        <p:cTn id="22" dur="1" fill="hold">
+                                          <p:stCondLst>
+                                            <p:cond delay="0"/>
+                                          </p:stCondLst>
+                                        </p:cTn>
+                                        <p:tgtEl>
+                                          <p:spTgt spid="3">
+                                            <p:txEl>
+                                              <p:pRg st="7" end="7"/>
+                                            </p:txEl>
+                                          </p:spTgt>
+                                        </p:tgtEl>
+                                        <p:attrNameLst>
+                                          <p:attrName>style.visibility</p:attrName>
+                                        </p:attrNameLst>
+                                      </p:cBhvr>
+                                      <p:to>
+                                        <p:strVal val="visible"/>
+                                      </p:to>
+                                    </p:set>
+                                  </p:childTnLst>
+                                </p:cTn>
+                              </p:par>
+                              <p:par>
+                                <p:cTn id="23" presetID="1" presetClass="entr" presetSubtype="0" fill="hold" nodeType="withEffect">
+                                  <p:stCondLst>
+                                    <p:cond delay="0"/>
+                                  </p:stCondLst>
+                                  <p:childTnLst>
+                                    <p:set>
+                                      <p:cBhvr>
+                                        <p:cTn id="24" dur="1" fill="hold">
+                                          <p:stCondLst>
+                                            <p:cond delay="0"/>
+                                          </p:stCondLst>
+                                        </p:cTn>
+                                        <p:tgtEl>
+                                          <p:spTgt spid="3">
+                                            <p:txEl>
+                                              <p:pRg st="9" end="9"/>
+                                            </p:txEl>
+                                          </p:spTgt>
+                                        </p:tgtEl>
+                                        <p:attrNameLst>
+                                          <p:attrName>style.visibility</p:attrName>
+                                        </p:attrNameLst>
+                                      </p:cBhvr>
+                                      <p:to>
+                                        <p:strVal val="visible"/>
+                                      </p:to>
+                                    </p:set>
+                                  </p:childTnLst>
+                                </p:cTn>
+                              </p:par>
+                            </p:childTnLst>
+                          </p:cTn>
+                        </p:par>
+                      </p:childTnLst>
+                    </p:cTn>
+                  </p:par>
+                  <p:par>
+                    <p:cTn id="25" fill="hold">
+                      <p:stCondLst>
+                        <p:cond delay="indefinite"/>
+                      </p:stCondLst>
+                      <p:childTnLst>
+                        <p:par>
+                          <p:cTn id="26" fill="hold">
+                            <p:stCondLst>
+                              <p:cond delay="0"/>
+                            </p:stCondLst>
+                            <p:childTnLst>
+                              <p:par>
+                                <p:cTn id="27" presetID="1" presetClass="entr" presetSubtype="0" fill="hold" nodeType="clickEffect">
+                                  <p:stCondLst>
+                                    <p:cond delay="0"/>
+                                  </p:stCondLst>
+                                  <p:childTnLst>
+                                    <p:set>
+                                      <p:cBhvr>
+                                        <p:cTn id="28" dur="1" fill="hold">
+                                          <p:stCondLst>
+                                            <p:cond delay="0"/>
+                                          </p:stCondLst>
+                                        </p:cTn>
+                                        <p:tgtEl>
+                                          <p:spTgt spid="3">
+                                            <p:txEl>
+                                              <p:pRg st="11" end="11"/>
+                                            </p:txEl>
+                                          </p:spTgt>
+                                        </p:tgtEl>
+                                        <p:attrNameLst>
+                                          <p:attrName>style.visibility</p:attrName>
+                                        </p:attrNameLst>
+                                      </p:cBhvr>
+                                      <p:to>
+                                        <p:strVal val="visible"/>
+                                      </p:to>
+                                    </p:set>
+                                  </p:childTnLst>
+                                </p:cTn>
+                              </p:par>
+                            </p:childTnLst>
+                          </p:cTn>
+                        </p:par>
+                      </p:childTnLst>
+                    </p:cTn>
+                  </p:par>
+                  <p:par>
+                    <p:cTn id="29" fill="hold">
+                      <p:stCondLst>
+                        <p:cond delay="indefinite"/>
+                      </p:stCondLst>
+                      <p:childTnLst>
+                        <p:par>
+                          <p:cTn id="30" fill="hold">
+                            <p:stCondLst>
+                              <p:cond delay="0"/>
+                            </p:stCondLst>
+                            <p:childTnLst>
+                              <p:par>
+                                <p:cTn id="31" presetID="1" presetClass="entr" presetSubtype="0" fill="hold" nodeType="clickEffect">
+                                  <p:stCondLst>
+                                    <p:cond delay="0"/>
+                                  </p:stCondLst>
+                                  <p:childTnLst>
+                                    <p:set>
+                                      <p:cBhvr>
+                                        <p:cTn id="32" dur="1" fill="hold">
+                                          <p:stCondLst>
+                                            <p:cond delay="0"/>
+                                          </p:stCondLst>
+                                        </p:cTn>
+                                        <p:tgtEl>
+                                          <p:spTgt spid="3">
+                                            <p:txEl>
+                                              <p:pRg st="13" end="13"/>
+                                            </p:txEl>
+                                          </p:spTgt>
+                                        </p:tgtEl>
+                                        <p:attrNameLst>
+                                          <p:attrName>style.visibility</p:attrName>
+                                        </p:attrNameLst>
+                                      </p:cBhvr>
+                                      <p:to>
+                                        <p:strVal val="visible"/>
+                                      </p:to>
+                                    </p:set>
+                                  </p:childTnLst>
+                                </p:cTn>
+                              </p:par>
+                            </p:childTnLst>
+                          </p:cTn>
+                        </p:par>
+                      </p:childTnLst>
+                    </p:cTn>
+                  </p:par>
+                </p:childTnLst>
+              </p:cTn>
+              <p:prevCondLst>
+                <p:cond evt="onPrev" delay="0">
+                  <p:tgtEl>
+                    <p:sldTgt/>
+                  </p:tgtEl>
+                </p:cond>
+              </p:prevCondLst>
+              <p:nextCondLst>
+                <p:cond evt="onNext" delay="0">
+                  <p:tgtEl>
+                    <p:sldTgt/>
+                  </p:tgtEl>
+                </p:cond>
+              </p:nextCondLst>
+            </p:seq>
+          </p:childTnLst>
+        </p:cTn>
       </p:par>
     </p:tnLst>
   </p:timing>
@@ -6246,6 +7225,238 @@
             <p:ph idx="1"/>
           </p:nvPr>
         </p:nvSpPr>
+        <p:spPr/>
+        <p:txBody>
+          <a:bodyPr/>
+          <a:lstStyle/>
+          <a:p>
+            <a:endParaRPr lang="en-US" smtClean="0"/>
+          </a:p>
+          <a:p>
+            <a:r>
+              <a:rPr lang="en-US" smtClean="0"/>
+              <a:t>Een service is een object dat door middel van ‘dependency injection’ door andere objecten gebruikt kan worden. </a:t>
+            </a:r>
+          </a:p>
+          <a:p>
+            <a:endParaRPr lang="en-US" sz="1600" b="1">
+              <a:latin typeface="Courier New"/>
+              <a:cs typeface="Courier New"/>
+            </a:endParaRPr>
+          </a:p>
+          <a:p>
+            <a:r>
+              <a:rPr lang="en-US" smtClean="0">
+                <a:latin typeface="Verdana"/>
+                <a:cs typeface="Verdana"/>
+              </a:rPr>
+              <a:t>Je kunt een service gebruiken om code te groeperen en delen binnen je applicatie.</a:t>
+            </a:r>
+          </a:p>
+          <a:p>
+            <a:endParaRPr lang="en-US" smtClean="0"/>
+          </a:p>
+        </p:txBody>
+      </p:sp>
+    </p:spTree>
+    <p:extLst>
+      <p:ext uri="{BB962C8B-B14F-4D97-AF65-F5344CB8AC3E}">
+        <p14:creationId xmlns:p14="http://schemas.microsoft.com/office/powerpoint/2010/main" val="1734255446"/>
+      </p:ext>
+    </p:extLst>
+  </p:cSld>
+  <p:clrMapOvr>
+    <a:masterClrMapping/>
+  </p:clrMapOvr>
+  <p:timing>
+    <p:tnLst>
+      <p:par>
+        <p:cTn xmlns:p14="http://schemas.microsoft.com/office/powerpoint/2010/main" id="1" dur="indefinite" restart="never" nodeType="tmRoot"/>
+      </p:par>
+    </p:tnLst>
+  </p:timing>
+</p:sld>
+</file>
+
+<file path=ppt/slides/slide22.xml><?xml version="1.0" encoding="utf-8"?>
+<p:sld xmlns:a="http://schemas.openxmlformats.org/drawingml/2006/main" xmlns:r="http://schemas.openxmlformats.org/officeDocument/2006/relationships" xmlns:p="http://schemas.openxmlformats.org/presentationml/2006/main">
+  <p:cSld>
+    <p:spTree>
+      <p:nvGrpSpPr>
+        <p:cNvPr id="1" name=""/>
+        <p:cNvGrpSpPr/>
+        <p:nvPr/>
+      </p:nvGrpSpPr>
+      <p:grpSpPr>
+        <a:xfrm>
+          <a:off x="0" y="0"/>
+          <a:ext cx="0" cy="0"/>
+          <a:chOff x="0" y="0"/>
+          <a:chExt cx="0" cy="0"/>
+        </a:xfrm>
+      </p:grpSpPr>
+      <p:sp>
+        <p:nvSpPr>
+          <p:cNvPr id="2" name="Title 1"/>
+          <p:cNvSpPr>
+            <a:spLocks noGrp="1"/>
+          </p:cNvSpPr>
+          <p:nvPr>
+            <p:ph type="title"/>
+          </p:nvPr>
+        </p:nvSpPr>
+        <p:spPr/>
+        <p:txBody>
+          <a:bodyPr/>
+          <a:lstStyle/>
+          <a:p>
+            <a:r>
+              <a:rPr lang="en-US" smtClean="0"/>
+              <a:t>Angular service</a:t>
+            </a:r>
+            <a:endParaRPr lang="en-US" dirty="0"/>
+          </a:p>
+        </p:txBody>
+      </p:sp>
+      <p:sp>
+        <p:nvSpPr>
+          <p:cNvPr id="3" name="Content Placeholder 2"/>
+          <p:cNvSpPr>
+            <a:spLocks noGrp="1"/>
+          </p:cNvSpPr>
+          <p:nvPr>
+            <p:ph idx="1"/>
+          </p:nvPr>
+        </p:nvSpPr>
+        <p:spPr/>
+        <p:txBody>
+          <a:bodyPr/>
+          <a:lstStyle/>
+          <a:p>
+            <a:r>
+              <a:rPr lang="en-US" smtClean="0"/>
+              <a:t>Een service registreer je bij een module</a:t>
+            </a:r>
+          </a:p>
+          <a:p>
+            <a:endParaRPr lang="en-US" smtClean="0"/>
+          </a:p>
+          <a:p>
+            <a:r>
+              <a:rPr lang="en-US" smtClean="0"/>
+              <a:t>Definitie van een module:</a:t>
+            </a:r>
+          </a:p>
+          <a:p>
+            <a:endParaRPr lang="en-US"/>
+          </a:p>
+          <a:p>
+            <a:r>
+              <a:rPr lang="en-US" sz="1600" b="1">
+                <a:latin typeface="Courier New"/>
+                <a:cs typeface="Courier New"/>
+              </a:rPr>
+              <a:t>a</a:t>
+            </a:r>
+            <a:r>
+              <a:rPr lang="en-US" sz="1600" b="1" smtClean="0">
+                <a:latin typeface="Courier New"/>
+                <a:cs typeface="Courier New"/>
+              </a:rPr>
+              <a:t>ngular.module(&lt;moduleNaam&gt;)</a:t>
+            </a:r>
+          </a:p>
+          <a:p>
+            <a:r>
+              <a:rPr lang="en-US" sz="1600" b="1">
+                <a:latin typeface="Courier New"/>
+                <a:cs typeface="Courier New"/>
+              </a:rPr>
+              <a:t> </a:t>
+            </a:r>
+            <a:r>
+              <a:rPr lang="en-US" sz="1600" b="1" smtClean="0">
+                <a:latin typeface="Courier New"/>
+                <a:cs typeface="Courier New"/>
+              </a:rPr>
+              <a:t> .factory(&lt;serviceNaam&gt;, &lt;definitiefunctie_van_service&gt;)</a:t>
+            </a:r>
+          </a:p>
+          <a:p>
+            <a:endParaRPr lang="en-US" smtClean="0"/>
+          </a:p>
+        </p:txBody>
+      </p:sp>
+    </p:spTree>
+    <p:extLst>
+      <p:ext uri="{BB962C8B-B14F-4D97-AF65-F5344CB8AC3E}">
+        <p14:creationId xmlns:p14="http://schemas.microsoft.com/office/powerpoint/2010/main" val="1484837622"/>
+      </p:ext>
+    </p:extLst>
+  </p:cSld>
+  <p:clrMapOvr>
+    <a:masterClrMapping/>
+  </p:clrMapOvr>
+  <p:timing>
+    <p:tnLst>
+      <p:par>
+        <p:cTn xmlns:p14="http://schemas.microsoft.com/office/powerpoint/2010/main" id="1" dur="indefinite" restart="never" nodeType="tmRoot"/>
+      </p:par>
+    </p:tnLst>
+  </p:timing>
+</p:sld>
+</file>
+
+<file path=ppt/slides/slide23.xml><?xml version="1.0" encoding="utf-8"?>
+<p:sld xmlns:a="http://schemas.openxmlformats.org/drawingml/2006/main" xmlns:r="http://schemas.openxmlformats.org/officeDocument/2006/relationships" xmlns:p="http://schemas.openxmlformats.org/presentationml/2006/main">
+  <p:cSld>
+    <p:spTree>
+      <p:nvGrpSpPr>
+        <p:cNvPr id="1" name=""/>
+        <p:cNvGrpSpPr/>
+        <p:nvPr/>
+      </p:nvGrpSpPr>
+      <p:grpSpPr>
+        <a:xfrm>
+          <a:off x="0" y="0"/>
+          <a:ext cx="0" cy="0"/>
+          <a:chOff x="0" y="0"/>
+          <a:chExt cx="0" cy="0"/>
+        </a:xfrm>
+      </p:grpSpPr>
+      <p:sp>
+        <p:nvSpPr>
+          <p:cNvPr id="2" name="Title 1"/>
+          <p:cNvSpPr>
+            <a:spLocks noGrp="1"/>
+          </p:cNvSpPr>
+          <p:nvPr>
+            <p:ph type="title"/>
+          </p:nvPr>
+        </p:nvSpPr>
+        <p:spPr/>
+        <p:txBody>
+          <a:bodyPr/>
+          <a:lstStyle/>
+          <a:p>
+            <a:r>
+              <a:rPr lang="en-US" smtClean="0"/>
+              <a:t>Angular service</a:t>
+            </a:r>
+            <a:endParaRPr lang="en-US" dirty="0"/>
+          </a:p>
+        </p:txBody>
+      </p:sp>
+      <p:sp>
+        <p:nvSpPr>
+          <p:cNvPr id="3" name="Content Placeholder 2"/>
+          <p:cNvSpPr>
+            <a:spLocks noGrp="1"/>
+          </p:cNvSpPr>
+          <p:nvPr>
+            <p:ph idx="1"/>
+          </p:nvPr>
+        </p:nvSpPr>
         <p:spPr>
           <a:xfrm>
             <a:off x="323528" y="1844824"/>
@@ -6268,14 +7479,7 @@
                 <a:latin typeface="Courier New"/>
                 <a:cs typeface="Courier New"/>
               </a:rPr>
-              <a:t>(‘</a:t>
-            </a:r>
-            <a:r>
-              <a:rPr lang="en-US" sz="1200" b="1">
-                <a:latin typeface="Courier New"/>
-                <a:cs typeface="Courier New"/>
-              </a:rPr>
-              <a:t>myApp</a:t>
+              <a:t>(‘myApp</a:t>
             </a:r>
             <a:r>
               <a:rPr lang="en-US" sz="1200" b="1" smtClean="0">
@@ -6680,7 +7884,7 @@
 </p:sld>
 </file>
 
-<file path=ppt/slides/slide22.xml><?xml version="1.0" encoding="utf-8"?>
+<file path=ppt/slides/slide24.xml><?xml version="1.0" encoding="utf-8"?>
 <p:sld xmlns:a="http://schemas.openxmlformats.org/drawingml/2006/main" xmlns:r="http://schemas.openxmlformats.org/officeDocument/2006/relationships" xmlns:p="http://schemas.openxmlformats.org/presentationml/2006/main">
   <p:cSld>
     <p:spTree>
@@ -6742,6 +7946,9 @@
           <a:p>
             <a:r>
               <a:rPr lang="en-US" sz="1200" b="1" smtClean="0">
+                <a:solidFill>
+                  <a:srgbClr val="A6A6A6"/>
+                </a:solidFill>
                 <a:latin typeface="Courier New"/>
                 <a:cs typeface="Courier New"/>
               </a:rPr>
@@ -6749,20 +7956,19 @@
             </a:r>
             <a:r>
               <a:rPr lang="en-US" sz="1200" b="1">
-                <a:latin typeface="Courier New"/>
-                <a:cs typeface="Courier New"/>
-              </a:rPr>
-              <a:t>(‘</a:t>
-            </a:r>
-            <a:r>
-              <a:rPr lang="en-US" sz="1200" b="1">
-                <a:latin typeface="Courier New"/>
-                <a:cs typeface="Courier New"/>
-              </a:rPr>
-              <a:t>myApp</a:t>
+                <a:solidFill>
+                  <a:srgbClr val="A6A6A6"/>
+                </a:solidFill>
+                <a:latin typeface="Courier New"/>
+                <a:cs typeface="Courier New"/>
+              </a:rPr>
+              <a:t>(‘myApp</a:t>
             </a:r>
             <a:r>
               <a:rPr lang="en-US" sz="1200" b="1" smtClean="0">
+                <a:solidFill>
+                  <a:srgbClr val="A6A6A6"/>
+                </a:solidFill>
                 <a:latin typeface="Courier New"/>
                 <a:cs typeface="Courier New"/>
               </a:rPr>
@@ -6781,6 +7987,9 @@
           <a:p>
             <a:r>
               <a:rPr lang="en-US" sz="1200" b="1" smtClean="0">
+                <a:solidFill>
+                  <a:srgbClr val="A6A6A6"/>
+                </a:solidFill>
                 <a:latin typeface="Courier New"/>
                 <a:cs typeface="Courier New"/>
               </a:rPr>
@@ -6789,6 +7998,9 @@
           </a:p>
           <a:p>
             <a:endParaRPr lang="en-US" sz="1200" b="1" smtClean="0">
+              <a:solidFill>
+                <a:srgbClr val="A6A6A6"/>
+              </a:solidFill>
               <a:latin typeface="Courier New"/>
               <a:cs typeface="Courier New"/>
             </a:endParaRPr>
@@ -6796,6 +8008,9 @@
           <a:p>
             <a:r>
               <a:rPr lang="en-US" sz="1200" b="1">
+                <a:solidFill>
+                  <a:srgbClr val="A6A6A6"/>
+                </a:solidFill>
                 <a:latin typeface="Courier New"/>
                 <a:cs typeface="Courier New"/>
               </a:rPr>
@@ -6803,6 +8018,9 @@
             </a:r>
             <a:r>
               <a:rPr lang="en-US" sz="1200" b="1" smtClean="0">
+                <a:solidFill>
+                  <a:srgbClr val="A6A6A6"/>
+                </a:solidFill>
                 <a:latin typeface="Courier New"/>
                 <a:cs typeface="Courier New"/>
               </a:rPr>
@@ -6820,6 +8038,9 @@
           </a:p>
           <a:p>
             <a:endParaRPr lang="en-US" sz="1200" b="1" smtClean="0">
+              <a:solidFill>
+                <a:srgbClr val="A6A6A6"/>
+              </a:solidFill>
               <a:latin typeface="Courier New"/>
               <a:cs typeface="Courier New"/>
             </a:endParaRPr>
@@ -6827,6 +8048,9 @@
           <a:p>
             <a:r>
               <a:rPr lang="en-US" sz="1200" b="1" smtClean="0">
+                <a:solidFill>
+                  <a:srgbClr val="A6A6A6"/>
+                </a:solidFill>
                 <a:latin typeface="Courier New"/>
                 <a:cs typeface="Courier New"/>
               </a:rPr>
@@ -6852,6 +8076,9 @@
           <a:p>
             <a:r>
               <a:rPr lang="en-US" sz="1200" b="1">
+                <a:solidFill>
+                  <a:srgbClr val="A6A6A6"/>
+                </a:solidFill>
                 <a:latin typeface="Courier New"/>
                 <a:cs typeface="Courier New"/>
               </a:rPr>
@@ -6859,6 +8086,9 @@
             </a:r>
             <a:r>
               <a:rPr lang="en-US" sz="1200" b="1" smtClean="0">
+                <a:solidFill>
+                  <a:srgbClr val="A6A6A6"/>
+                </a:solidFill>
                 <a:latin typeface="Courier New"/>
                 <a:cs typeface="Courier New"/>
               </a:rPr>
@@ -6868,6 +8098,9 @@
           <a:p>
             <a:r>
               <a:rPr lang="en-US" sz="1200" b="1" smtClean="0">
+                <a:solidFill>
+                  <a:srgbClr val="A6A6A6"/>
+                </a:solidFill>
                 <a:latin typeface="Courier New"/>
                 <a:cs typeface="Courier New"/>
               </a:rPr>
@@ -6986,7 +8219,7 @@
 </p:sld>
 </file>
 
-<file path=ppt/slides/slide23.xml><?xml version="1.0" encoding="utf-8"?>
+<file path=ppt/slides/slide25.xml><?xml version="1.0" encoding="utf-8"?>
 <p:sld xmlns:a="http://schemas.openxmlformats.org/drawingml/2006/main" xmlns:r="http://schemas.openxmlformats.org/officeDocument/2006/relationships" xmlns:p="http://schemas.openxmlformats.org/presentationml/2006/main">
   <p:cSld>
     <p:spTree>
@@ -7020,6 +8253,317 @@
           <a:p>
             <a:r>
               <a:rPr lang="en-US" smtClean="0"/>
+              <a:t>Angular routing</a:t>
+            </a:r>
+            <a:endParaRPr lang="en-US" dirty="0"/>
+          </a:p>
+        </p:txBody>
+      </p:sp>
+      <p:sp>
+        <p:nvSpPr>
+          <p:cNvPr id="3" name="Content Placeholder 2"/>
+          <p:cNvSpPr>
+            <a:spLocks noGrp="1"/>
+          </p:cNvSpPr>
+          <p:nvPr>
+            <p:ph idx="1"/>
+          </p:nvPr>
+        </p:nvSpPr>
+        <p:spPr>
+          <a:xfrm>
+            <a:off x="467544" y="1798626"/>
+            <a:ext cx="7760494" cy="4273580"/>
+          </a:xfrm>
+        </p:spPr>
+        <p:txBody>
+          <a:bodyPr>
+            <a:normAutofit/>
+          </a:bodyPr>
+          <a:lstStyle/>
+          <a:p>
+            <a:r>
+              <a:rPr lang="en-US" sz="1200" b="1" smtClean="0">
+                <a:solidFill>
+                  <a:schemeClr val="bg1">
+                    <a:lumMod val="65000"/>
+                  </a:schemeClr>
+                </a:solidFill>
+                <a:latin typeface="Courier New"/>
+                <a:cs typeface="Courier New"/>
+              </a:rPr>
+              <a:t>angular.module</a:t>
+            </a:r>
+            <a:r>
+              <a:rPr lang="en-US" sz="1200" b="1">
+                <a:solidFill>
+                  <a:schemeClr val="bg1">
+                    <a:lumMod val="65000"/>
+                  </a:schemeClr>
+                </a:solidFill>
+                <a:latin typeface="Courier New"/>
+                <a:cs typeface="Courier New"/>
+              </a:rPr>
+              <a:t>(‘myApp</a:t>
+            </a:r>
+            <a:r>
+              <a:rPr lang="en-US" sz="1200" b="1" smtClean="0">
+                <a:solidFill>
+                  <a:schemeClr val="bg1">
+                    <a:lumMod val="65000"/>
+                  </a:schemeClr>
+                </a:solidFill>
+                <a:latin typeface="Courier New"/>
+                <a:cs typeface="Courier New"/>
+              </a:rPr>
+              <a:t>’).config(</a:t>
+            </a:r>
+          </a:p>
+          <a:p>
+            <a:r>
+              <a:rPr lang="en-US" sz="1200" b="1" smtClean="0">
+                <a:solidFill>
+                  <a:schemeClr val="bg1">
+                    <a:lumMod val="65000"/>
+                  </a:schemeClr>
+                </a:solidFill>
+                <a:latin typeface="Courier New"/>
+                <a:cs typeface="Courier New"/>
+              </a:rPr>
+              <a:t>  function($routeProvider) {		</a:t>
+            </a:r>
+          </a:p>
+          <a:p>
+            <a:r>
+              <a:rPr lang="en-US" sz="1200" b="1" smtClean="0">
+                <a:solidFill>
+                  <a:schemeClr val="bg1">
+                    <a:lumMod val="65000"/>
+                  </a:schemeClr>
+                </a:solidFill>
+                <a:latin typeface="Courier New"/>
+                <a:cs typeface="Courier New"/>
+              </a:rPr>
+              <a:t>    $routeProvider</a:t>
+            </a:r>
+          </a:p>
+          <a:p>
+            <a:r>
+              <a:rPr lang="en-US" sz="1200" b="1" smtClean="0">
+                <a:latin typeface="Courier New"/>
+                <a:cs typeface="Courier New"/>
+              </a:rPr>
+              <a:t>      .when(‘/home’,{</a:t>
+            </a:r>
+          </a:p>
+          <a:p>
+            <a:r>
+              <a:rPr lang="en-US" sz="1200" b="1" smtClean="0">
+                <a:latin typeface="Courier New"/>
+                <a:cs typeface="Courier New"/>
+              </a:rPr>
+              <a:t>        templateURL: ‘home.html’,</a:t>
+            </a:r>
+          </a:p>
+          <a:p>
+            <a:r>
+              <a:rPr lang="en-US" sz="1200" b="1" smtClean="0">
+                <a:latin typeface="Courier New"/>
+                <a:cs typeface="Courier New"/>
+              </a:rPr>
+              <a:t>        controller: ‘homeController’,</a:t>
+            </a:r>
+          </a:p>
+          <a:p>
+            <a:r>
+              <a:rPr lang="en-US" sz="1200" b="1" smtClean="0">
+                <a:latin typeface="Courier New"/>
+                <a:cs typeface="Courier New"/>
+              </a:rPr>
+              <a:t>        controllerAs: ‘vm’</a:t>
+            </a:r>
+          </a:p>
+          <a:p>
+            <a:r>
+              <a:rPr lang="en-US" sz="1200" b="1" smtClean="0">
+                <a:latin typeface="Courier New"/>
+                <a:cs typeface="Courier New"/>
+              </a:rPr>
+              <a:t>      })</a:t>
+            </a:r>
+          </a:p>
+          <a:p>
+            <a:r>
+              <a:rPr lang="en-US" sz="1200" b="1">
+                <a:latin typeface="Courier New"/>
+                <a:cs typeface="Courier New"/>
+              </a:rPr>
+              <a:t>      .when(‘/instellingen’,{</a:t>
+            </a:r>
+          </a:p>
+          <a:p>
+            <a:r>
+              <a:rPr lang="en-US" sz="1200" b="1">
+                <a:latin typeface="Courier New"/>
+                <a:cs typeface="Courier New"/>
+              </a:rPr>
+              <a:t>        templateURL: ‘instellingen.html’,</a:t>
+            </a:r>
+          </a:p>
+          <a:p>
+            <a:r>
+              <a:rPr lang="en-US" sz="1200" b="1">
+                <a:latin typeface="Courier New"/>
+                <a:cs typeface="Courier New"/>
+              </a:rPr>
+              <a:t>        controller: ‘instellingenController’,</a:t>
+            </a:r>
+          </a:p>
+          <a:p>
+            <a:r>
+              <a:rPr lang="en-US" sz="1200" b="1">
+                <a:latin typeface="Courier New"/>
+                <a:cs typeface="Courier New"/>
+              </a:rPr>
+              <a:t>        controllerAs: ‘vm’</a:t>
+            </a:r>
+          </a:p>
+          <a:p>
+            <a:r>
+              <a:rPr lang="en-US" sz="1200" b="1">
+                <a:latin typeface="Courier New"/>
+                <a:cs typeface="Courier New"/>
+              </a:rPr>
+              <a:t>      })</a:t>
+            </a:r>
+          </a:p>
+          <a:p>
+            <a:r>
+              <a:rPr lang="en-US" sz="1200" b="1">
+                <a:latin typeface="Courier New"/>
+                <a:cs typeface="Courier New"/>
+              </a:rPr>
+              <a:t>      .otherwise({</a:t>
+            </a:r>
+          </a:p>
+          <a:p>
+            <a:r>
+              <a:rPr lang="en-US" sz="1200" b="1">
+                <a:latin typeface="Courier New"/>
+                <a:cs typeface="Courier New"/>
+              </a:rPr>
+              <a:t>        redirectTo: ‘/home’</a:t>
+            </a:r>
+          </a:p>
+          <a:p>
+            <a:r>
+              <a:rPr lang="en-US" sz="1200" b="1">
+                <a:latin typeface="Courier New"/>
+                <a:cs typeface="Courier New"/>
+              </a:rPr>
+              <a:t>      });</a:t>
+            </a:r>
+            <a:endParaRPr lang="en-US" sz="1200" b="1">
+              <a:latin typeface="Courier New"/>
+              <a:cs typeface="Courier New"/>
+            </a:endParaRPr>
+          </a:p>
+          <a:p>
+            <a:r>
+              <a:rPr lang="en-US" sz="1200" b="1" smtClean="0">
+                <a:solidFill>
+                  <a:srgbClr val="A6A6A6"/>
+                </a:solidFill>
+                <a:latin typeface="Courier New"/>
+                <a:cs typeface="Courier New"/>
+              </a:rPr>
+              <a:t>    }</a:t>
+            </a:r>
+            <a:endParaRPr lang="en-US" sz="1200" b="1">
+              <a:solidFill>
+                <a:srgbClr val="A6A6A6"/>
+              </a:solidFill>
+              <a:latin typeface="Courier New"/>
+              <a:cs typeface="Courier New"/>
+            </a:endParaRPr>
+          </a:p>
+          <a:p>
+            <a:r>
+              <a:rPr lang="en-US" sz="1200" b="1" smtClean="0">
+                <a:solidFill>
+                  <a:srgbClr val="A6A6A6"/>
+                </a:solidFill>
+                <a:latin typeface="Courier New"/>
+                <a:cs typeface="Courier New"/>
+              </a:rPr>
+              <a:t>  );</a:t>
+            </a:r>
+            <a:endParaRPr lang="en-US" sz="1200" b="1">
+              <a:solidFill>
+                <a:srgbClr val="A6A6A6"/>
+              </a:solidFill>
+              <a:latin typeface="Courier New"/>
+              <a:cs typeface="Courier New"/>
+            </a:endParaRPr>
+          </a:p>
+          <a:p>
+            <a:endParaRPr lang="en-US" sz="1200" smtClean="0"/>
+          </a:p>
+        </p:txBody>
+      </p:sp>
+    </p:spTree>
+    <p:extLst>
+      <p:ext uri="{BB962C8B-B14F-4D97-AF65-F5344CB8AC3E}">
+        <p14:creationId xmlns:p14="http://schemas.microsoft.com/office/powerpoint/2010/main" val="116477226"/>
+      </p:ext>
+    </p:extLst>
+  </p:cSld>
+  <p:clrMapOvr>
+    <a:masterClrMapping/>
+  </p:clrMapOvr>
+  <p:timing>
+    <p:tnLst>
+      <p:par>
+        <p:cTn xmlns:p14="http://schemas.microsoft.com/office/powerpoint/2010/main" id="1" dur="indefinite" restart="never" nodeType="tmRoot"/>
+      </p:par>
+    </p:tnLst>
+  </p:timing>
+</p:sld>
+</file>
+
+<file path=ppt/slides/slide26.xml><?xml version="1.0" encoding="utf-8"?>
+<p:sld xmlns:a="http://schemas.openxmlformats.org/drawingml/2006/main" xmlns:r="http://schemas.openxmlformats.org/officeDocument/2006/relationships" xmlns:p="http://schemas.openxmlformats.org/presentationml/2006/main">
+  <p:cSld>
+    <p:spTree>
+      <p:nvGrpSpPr>
+        <p:cNvPr id="1" name=""/>
+        <p:cNvGrpSpPr/>
+        <p:nvPr/>
+      </p:nvGrpSpPr>
+      <p:grpSpPr>
+        <a:xfrm>
+          <a:off x="0" y="0"/>
+          <a:ext cx="0" cy="0"/>
+          <a:chOff x="0" y="0"/>
+          <a:chExt cx="0" cy="0"/>
+        </a:xfrm>
+      </p:grpSpPr>
+      <p:sp>
+        <p:nvSpPr>
+          <p:cNvPr id="2" name="Title 1"/>
+          <p:cNvSpPr>
+            <a:spLocks noGrp="1"/>
+          </p:cNvSpPr>
+          <p:nvPr>
+            <p:ph type="title"/>
+          </p:nvPr>
+        </p:nvSpPr>
+        <p:spPr/>
+        <p:txBody>
+          <a:bodyPr/>
+          <a:lstStyle/>
+          <a:p>
+            <a:r>
+              <a:rPr lang="en-US" smtClean="0"/>
               <a:t>Opdracht 1</a:t>
             </a:r>
             <a:endParaRPr lang="en-US" dirty="0"/>
@@ -7060,13 +8604,7 @@
               <a:rPr lang="en-US" sz="1600">
                 <a:hlinkClick r:id="rId2"/>
               </a:rPr>
-              <a:t>https://embed.plnkr.co/</a:t>
-            </a:r>
-            <a:r>
-              <a:rPr lang="en-US" sz="1600">
-                <a:hlinkClick r:id="rId2"/>
-              </a:rPr>
-              <a:t>iTn3HomnSNzyt0UpH9nj</a:t>
+              <a:t>https://embed.plnkr.co/iTn3HomnSNzyt0UpH9nj</a:t>
             </a:r>
             <a:r>
               <a:rPr lang="en-US" sz="1600" smtClean="0">
@@ -7095,7 +8633,15 @@
             </a:pPr>
             <a:r>
               <a:rPr lang="en-US" sz="1600" smtClean="0"/>
-              <a:t>Er geen ‘Groet Mij’ button meer nodig is om de waarde op het scherm te updaten.</a:t>
+              <a:t>Er geen ‘Groet Mij’ button meer nodig is om de waarde op het scherm te updaten. </a:t>
+            </a:r>
+            <a:r>
+              <a:rPr lang="en-US" sz="1600" smtClean="0">
+                <a:solidFill>
+                  <a:srgbClr val="A6A6A6"/>
+                </a:solidFill>
+              </a:rPr>
+              <a:t>(Het is handig om ‘/groet’ de default route te maken!)</a:t>
             </a:r>
           </a:p>
           <a:p>
@@ -7170,7 +8716,7 @@
 </p:sld>
 </file>
 
-<file path=ppt/slides/slide24.xml><?xml version="1.0" encoding="utf-8"?>
+<file path=ppt/slides/slide27.xml><?xml version="1.0" encoding="utf-8"?>
 <p:sld xmlns:a="http://schemas.openxmlformats.org/drawingml/2006/main" xmlns:r="http://schemas.openxmlformats.org/officeDocument/2006/relationships" xmlns:p="http://schemas.openxmlformats.org/presentationml/2006/main">
   <p:cSld>
     <p:spTree>
@@ -7253,11 +8799,7 @@
             </a:pPr>
             <a:r>
               <a:rPr lang="en-US" sz="1600"/>
-              <a:t>Toon een lijst van gebruikers. Gebruik hiervoor de </a:t>
-            </a:r>
-            <a:r>
-              <a:rPr lang="en-US" sz="1600"/>
-              <a:t>methode </a:t>
+              <a:t>Toon een lijst van gebruikers. Gebruik hiervoor de methode </a:t>
             </a:r>
             <a:r>
               <a:rPr lang="en-US" sz="1600" b="1" smtClean="0"/>
@@ -7433,11 +8975,7 @@
             </a:pPr>
             <a:r>
               <a:rPr lang="en-US" smtClean="0"/>
-              <a:t>Angular is een framework om dynamische webapps te maken waarbij HTML wordt gebruikt als template-taal en waarbij het is mogelijk om deze uit te breiden met zelf gedefini</a:t>
-            </a:r>
-            <a:r>
-              <a:rPr lang="en-US" smtClean="0"/>
-              <a:t>ëerde herbruikbare HTML-elementen (directives).</a:t>
+              <a:t>Angular is een framework om dynamische webapps te maken waarbij HTML wordt gebruikt als template-taal en waarbij het is mogelijk om deze uit te breiden met zelf gedefiniëerde herbruikbare HTML-elementen (directives).</a:t>
             </a:r>
           </a:p>
           <a:p>
@@ -7825,25 +9363,16 @@
           <a:p>
             <a:r>
               <a:rPr lang="en-US" smtClean="0"/>
-              <a:t>Angular heeft een speciaal ‘injector subsystem’  dat componenten cre</a:t>
-            </a:r>
+              <a:t>Angular heeft een speciaal ‘injector subsystem’  dat componenten creëert, dependencies ‘resolved’ en deze dependencies beschikbaar stelt aan de componenten die daar om vragen.</a:t>
+            </a:r>
+          </a:p>
+          <a:p>
+            <a:endParaRPr lang="en-US"/>
+          </a:p>
+          <a:p>
             <a:r>
               <a:rPr lang="en-US" smtClean="0"/>
-              <a:t>ëert, dependencies ‘resolved’ en deze dependencies beschikbaar stelt aan de componenten die daar om vragen.</a:t>
-            </a:r>
-            <a:endParaRPr lang="en-US" smtClean="0"/>
-          </a:p>
-          <a:p>
-            <a:endParaRPr lang="en-US"/>
-          </a:p>
-          <a:p>
-            <a:r>
-              <a:rPr lang="en-US" smtClean="0"/>
-              <a:t>De factory methode waarmee componenten zoals services, directives en andere Angular compenten worden gecre</a:t>
-            </a:r>
-            <a:r>
-              <a:rPr lang="en-US" smtClean="0"/>
-              <a:t>ëerd zorgt ervoor dat deze ‘injecteerbaar’ zijn in andere componenten.</a:t>
+              <a:t>De factory methode waarmee componenten zoals services, directives en andere Angular compenten worden gecreëerd zorgt ervoor dat deze ‘injecteerbaar’ zijn in andere componenten.</a:t>
             </a:r>
             <a:endParaRPr lang="en-US"/>
           </a:p>
@@ -8047,14 +9576,7 @@
                 <a:latin typeface="Courier New"/>
                 <a:cs typeface="Courier New"/>
               </a:rPr>
-              <a:t>(‘myApp’</a:t>
-            </a:r>
-            <a:r>
-              <a:rPr lang="en-US" sz="1600" b="1">
-                <a:latin typeface="Courier New"/>
-                <a:cs typeface="Courier New"/>
-              </a:rPr>
-              <a:t>, </a:t>
+              <a:t>(‘myApp’, </a:t>
             </a:r>
             <a:r>
               <a:rPr lang="en-US" sz="1600" b="1" smtClean="0">
@@ -8279,13 +9801,8 @@
           <a:p>
             <a:r>
               <a:rPr lang="en-US" smtClean="0"/>
-              <a:t>Voor elke module kun je vooraf, dus voordat de module uiteindelijk door Angular zelf wordt ge</a:t>
-            </a:r>
-            <a:r>
-              <a:rPr lang="en-US" smtClean="0"/>
-              <a:t>ïnstantïeerd, configuratie opgeven.</a:t>
-            </a:r>
-            <a:endParaRPr lang="en-US" smtClean="0"/>
+              <a:t>Voor elke module kun je vooraf, dus voordat de module uiteindelijk door Angular zelf wordt geïnstantïeerd, configuratie opgeven.</a:t>
+            </a:r>
           </a:p>
           <a:p>
             <a:endParaRPr lang="en-US" smtClean="0"/>
@@ -8328,7 +9845,7 @@
         </p:nvCxnSpPr>
         <p:spPr>
           <a:xfrm flipV="1">
-            <a:off x="2267744" y="4005064"/>
+            <a:off x="1979712" y="4005064"/>
             <a:ext cx="0" cy="720080"/>
           </a:xfrm>
           <a:prstGeom prst="straightConnector1">
@@ -8377,11 +9894,7 @@
           <a:p>
             <a:r>
               <a:rPr lang="en-US" smtClean="0"/>
-              <a:t>Dit is geen definitie van een module maar een verwijzing naar een al eerder gedefin</a:t>
-            </a:r>
-            <a:r>
-              <a:rPr lang="en-US" smtClean="0"/>
-              <a:t>ïeerde module. </a:t>
+              <a:t>Dit is geen definitie van een module maar een verwijzing naar een al eerder gedefinïeerde module. </a:t>
             </a:r>
             <a:endParaRPr lang="en-US"/>
           </a:p>
